--- a/GANによるデータ生成.pptx
+++ b/GANによるデータ生成.pptx
@@ -143,7 +143,7 @@
 <file path=ppt/revisionInfo.xml><?xml version="1.0" encoding="utf-8"?>
 <p1510:revInfo xmlns:a="http://schemas.openxmlformats.org/drawingml/2006/main" xmlns:r="http://schemas.openxmlformats.org/officeDocument/2006/relationships" xmlns:p1510="http://schemas.microsoft.com/office/powerpoint/2015/10/main">
   <p1510:revLst>
-    <p1510:client id="{C35A5D1B-87DA-4A0D-B91C-6FE2C9D683F5}" v="344" dt="2024-09-02T15:52:39.988"/>
+    <p1510:client id="{C35A5D1B-87DA-4A0D-B91C-6FE2C9D683F5}" v="348" dt="2024-09-02T16:05:58.893"/>
   </p1510:revLst>
 </p1510:revInfo>
 </file>
@@ -3362,7 +3362,7 @@
   <pc:docChgLst>
     <pc:chgData name="泰弘 仲山" userId="857b4835f3abfbd8" providerId="LiveId" clId="{C35A5D1B-87DA-4A0D-B91C-6FE2C9D683F5}"/>
     <pc:docChg chg="undo custSel addSld delSld modSld sldOrd">
-      <pc:chgData name="泰弘 仲山" userId="857b4835f3abfbd8" providerId="LiveId" clId="{C35A5D1B-87DA-4A0D-B91C-6FE2C9D683F5}" dt="2024-09-02T16:00:03.842" v="4920" actId="1076"/>
+      <pc:chgData name="泰弘 仲山" userId="857b4835f3abfbd8" providerId="LiveId" clId="{C35A5D1B-87DA-4A0D-B91C-6FE2C9D683F5}" dt="2024-09-02T16:06:00.605" v="4947" actId="20577"/>
       <pc:docMkLst>
         <pc:docMk/>
       </pc:docMkLst>
@@ -3428,13 +3428,21 @@
         </pc:sldMkLst>
       </pc:sldChg>
       <pc:sldChg chg="modSp add mod">
-        <pc:chgData name="泰弘 仲山" userId="857b4835f3abfbd8" providerId="LiveId" clId="{C35A5D1B-87DA-4A0D-B91C-6FE2C9D683F5}" dt="2024-09-02T15:31:14.940" v="4117" actId="14100"/>
+        <pc:chgData name="泰弘 仲山" userId="857b4835f3abfbd8" providerId="LiveId" clId="{C35A5D1B-87DA-4A0D-B91C-6FE2C9D683F5}" dt="2024-09-02T16:06:00.605" v="4947" actId="20577"/>
         <pc:sldMkLst>
           <pc:docMk/>
           <pc:sldMk cId="4112894032" sldId="288"/>
         </pc:sldMkLst>
         <pc:spChg chg="mod">
-          <ac:chgData name="泰弘 仲山" userId="857b4835f3abfbd8" providerId="LiveId" clId="{C35A5D1B-87DA-4A0D-B91C-6FE2C9D683F5}" dt="2024-09-02T15:31:14.940" v="4117" actId="14100"/>
+          <ac:chgData name="泰弘 仲山" userId="857b4835f3abfbd8" providerId="LiveId" clId="{C35A5D1B-87DA-4A0D-B91C-6FE2C9D683F5}" dt="2024-09-02T16:05:41.999" v="4942" actId="20577"/>
+          <ac:spMkLst>
+            <pc:docMk/>
+            <pc:sldMk cId="4112894032" sldId="288"/>
+            <ac:spMk id="2" creationId="{81F88D07-4C1B-3EAE-6FED-55C8A14925FB}"/>
+          </ac:spMkLst>
+        </pc:spChg>
+        <pc:spChg chg="mod">
+          <ac:chgData name="泰弘 仲山" userId="857b4835f3abfbd8" providerId="LiveId" clId="{C35A5D1B-87DA-4A0D-B91C-6FE2C9D683F5}" dt="2024-09-02T16:06:00.605" v="4947" actId="20577"/>
           <ac:spMkLst>
             <pc:docMk/>
             <pc:sldMk cId="4112894032" sldId="288"/>
@@ -5410,7 +5418,7 @@
           <a:p>
             <a:fld id="{65D9FF69-25D4-4677-88A0-8A6E25AD24DF}" type="datetimeFigureOut">
               <a:rPr kumimoji="1" lang="ja-JP" altLang="en-US" smtClean="0"/>
-              <a:t>2024/9/1</a:t>
+              <a:t>2024/9/3</a:t>
             </a:fld>
             <a:endParaRPr kumimoji="1" lang="ja-JP" altLang="en-US"/>
           </a:p>
@@ -5640,7 +5648,7 @@
           <a:p>
             <a:fld id="{65D9FF69-25D4-4677-88A0-8A6E25AD24DF}" type="datetimeFigureOut">
               <a:rPr kumimoji="1" lang="ja-JP" altLang="en-US" smtClean="0"/>
-              <a:t>2024/9/1</a:t>
+              <a:t>2024/9/3</a:t>
             </a:fld>
             <a:endParaRPr kumimoji="1" lang="ja-JP" altLang="en-US"/>
           </a:p>
@@ -5880,7 +5888,7 @@
           <a:p>
             <a:fld id="{65D9FF69-25D4-4677-88A0-8A6E25AD24DF}" type="datetimeFigureOut">
               <a:rPr kumimoji="1" lang="ja-JP" altLang="en-US" smtClean="0"/>
-              <a:t>2024/9/1</a:t>
+              <a:t>2024/9/3</a:t>
             </a:fld>
             <a:endParaRPr kumimoji="1" lang="ja-JP" altLang="en-US"/>
           </a:p>
@@ -6100,7 +6108,7 @@
           <a:p>
             <a:fld id="{65D9FF69-25D4-4677-88A0-8A6E25AD24DF}" type="datetimeFigureOut">
               <a:rPr kumimoji="1" lang="ja-JP" altLang="en-US" smtClean="0"/>
-              <a:t>2024/9/1</a:t>
+              <a:t>2024/9/3</a:t>
             </a:fld>
             <a:endParaRPr kumimoji="1" lang="ja-JP" altLang="en-US"/>
           </a:p>
@@ -6346,7 +6354,7 @@
           <a:p>
             <a:fld id="{65D9FF69-25D4-4677-88A0-8A6E25AD24DF}" type="datetimeFigureOut">
               <a:rPr kumimoji="1" lang="ja-JP" altLang="en-US" smtClean="0"/>
-              <a:t>2024/9/1</a:t>
+              <a:t>2024/9/3</a:t>
             </a:fld>
             <a:endParaRPr kumimoji="1" lang="ja-JP" altLang="en-US"/>
           </a:p>
@@ -6621,7 +6629,7 @@
           <a:p>
             <a:fld id="{65D9FF69-25D4-4677-88A0-8A6E25AD24DF}" type="datetimeFigureOut">
               <a:rPr kumimoji="1" lang="ja-JP" altLang="en-US" smtClean="0"/>
-              <a:t>2024/9/1</a:t>
+              <a:t>2024/9/3</a:t>
             </a:fld>
             <a:endParaRPr kumimoji="1" lang="ja-JP" altLang="en-US"/>
           </a:p>
@@ -6950,7 +6958,7 @@
           <a:p>
             <a:fld id="{65D9FF69-25D4-4677-88A0-8A6E25AD24DF}" type="datetimeFigureOut">
               <a:rPr kumimoji="1" lang="ja-JP" altLang="en-US" smtClean="0"/>
-              <a:t>2024/9/1</a:t>
+              <a:t>2024/9/3</a:t>
             </a:fld>
             <a:endParaRPr kumimoji="1" lang="ja-JP" altLang="en-US"/>
           </a:p>
@@ -7426,7 +7434,7 @@
           <a:p>
             <a:fld id="{65D9FF69-25D4-4677-88A0-8A6E25AD24DF}" type="datetimeFigureOut">
               <a:rPr kumimoji="1" lang="ja-JP" altLang="en-US" smtClean="0"/>
-              <a:t>2024/9/1</a:t>
+              <a:t>2024/9/3</a:t>
             </a:fld>
             <a:endParaRPr kumimoji="1" lang="ja-JP" altLang="en-US"/>
           </a:p>
@@ -7567,7 +7575,7 @@
           <a:p>
             <a:fld id="{65D9FF69-25D4-4677-88A0-8A6E25AD24DF}" type="datetimeFigureOut">
               <a:rPr kumimoji="1" lang="ja-JP" altLang="en-US" smtClean="0"/>
-              <a:t>2024/9/1</a:t>
+              <a:t>2024/9/3</a:t>
             </a:fld>
             <a:endParaRPr kumimoji="1" lang="ja-JP" altLang="en-US"/>
           </a:p>
@@ -7680,7 +7688,7 @@
           <a:p>
             <a:fld id="{65D9FF69-25D4-4677-88A0-8A6E25AD24DF}" type="datetimeFigureOut">
               <a:rPr kumimoji="1" lang="ja-JP" altLang="en-US" smtClean="0"/>
-              <a:t>2024/9/1</a:t>
+              <a:t>2024/9/3</a:t>
             </a:fld>
             <a:endParaRPr kumimoji="1" lang="ja-JP" altLang="en-US"/>
           </a:p>
@@ -8023,7 +8031,7 @@
           <a:p>
             <a:fld id="{65D9FF69-25D4-4677-88A0-8A6E25AD24DF}" type="datetimeFigureOut">
               <a:rPr kumimoji="1" lang="ja-JP" altLang="en-US" smtClean="0"/>
-              <a:t>2024/9/1</a:t>
+              <a:t>2024/9/3</a:t>
             </a:fld>
             <a:endParaRPr kumimoji="1" lang="ja-JP" altLang="en-US"/>
           </a:p>
@@ -8612,7 +8620,7 @@
           <a:p>
             <a:fld id="{65D9FF69-25D4-4677-88A0-8A6E25AD24DF}" type="datetimeFigureOut">
               <a:rPr kumimoji="1" lang="ja-JP" altLang="en-US" smtClean="0"/>
-              <a:t>2024/9/1</a:t>
+              <a:t>2024/9/3</a:t>
             </a:fld>
             <a:endParaRPr kumimoji="1" lang="ja-JP" altLang="en-US"/>
           </a:p>
@@ -16542,6 +16550,42 @@
               </a:rPr>
               <a:t>https://github.com/jsyoon0823/TimeGAN</a:t>
             </a:r>
+            <a:endParaRPr lang="en-US" altLang="ja-JP" sz="1800" dirty="0"/>
+          </a:p>
+          <a:p>
+            <a:endParaRPr lang="en-US" altLang="ja-JP" sz="1800" dirty="0"/>
+          </a:p>
+          <a:p>
+            <a:endParaRPr lang="en-US" altLang="ja-JP" sz="1800" dirty="0"/>
+          </a:p>
+          <a:p>
+            <a:r>
+              <a:rPr lang="en-US" altLang="ja-JP" sz="1800" dirty="0">
+                <a:hlinkClick r:id="rId10"/>
+              </a:rPr>
+              <a:t>https://arxiv.org/pdf/1907.06673</a:t>
+            </a:r>
+            <a:endParaRPr lang="en-US" altLang="ja-JP" sz="1800" dirty="0"/>
+          </a:p>
+          <a:p>
+            <a:r>
+              <a:rPr lang="en-US" altLang="ja-JP" sz="1800" dirty="0">
+                <a:hlinkClick r:id="rId11"/>
+              </a:rPr>
+              <a:t>https://www.sciencedirect.com/science/article/abs/pii/S0378437119307277</a:t>
+            </a:r>
+            <a:endParaRPr lang="en-US" altLang="ja-JP" sz="1800" dirty="0"/>
+          </a:p>
+          <a:p>
+            <a:r>
+              <a:rPr lang="en-US" altLang="ja-JP" sz="1800" dirty="0">
+                <a:hlinkClick r:id="rId12"/>
+              </a:rPr>
+              <a:t>https://tech.preferred.jp/ja/blog/financial-time-series-generation/</a:t>
+            </a:r>
+            <a:endParaRPr lang="en-US" altLang="ja-JP" sz="1800" dirty="0"/>
+          </a:p>
+          <a:p>
             <a:endParaRPr lang="en-US" altLang="ja-JP" sz="1800" dirty="0"/>
           </a:p>
           <a:p>

--- a/GANによるデータ生成.pptx
+++ b/GANによるデータ生成.pptx
@@ -11,29 +11,34 @@
     <p:sldId id="308" r:id="rId5"/>
     <p:sldId id="309" r:id="rId6"/>
     <p:sldId id="329" r:id="rId7"/>
-    <p:sldId id="330" r:id="rId8"/>
-    <p:sldId id="331" r:id="rId9"/>
-    <p:sldId id="310" r:id="rId10"/>
-    <p:sldId id="312" r:id="rId11"/>
-    <p:sldId id="311" r:id="rId12"/>
-    <p:sldId id="313" r:id="rId13"/>
-    <p:sldId id="314" r:id="rId14"/>
-    <p:sldId id="315" r:id="rId15"/>
-    <p:sldId id="317" r:id="rId16"/>
-    <p:sldId id="316" r:id="rId17"/>
-    <p:sldId id="318" r:id="rId18"/>
-    <p:sldId id="319" r:id="rId19"/>
-    <p:sldId id="320" r:id="rId20"/>
-    <p:sldId id="321" r:id="rId21"/>
-    <p:sldId id="322" r:id="rId22"/>
-    <p:sldId id="323" r:id="rId23"/>
-    <p:sldId id="324" r:id="rId24"/>
-    <p:sldId id="325" r:id="rId25"/>
-    <p:sldId id="327" r:id="rId26"/>
-    <p:sldId id="326" r:id="rId27"/>
-    <p:sldId id="328" r:id="rId28"/>
-    <p:sldId id="301" r:id="rId29"/>
-    <p:sldId id="288" r:id="rId30"/>
+    <p:sldId id="332" r:id="rId8"/>
+    <p:sldId id="330" r:id="rId9"/>
+    <p:sldId id="333" r:id="rId10"/>
+    <p:sldId id="331" r:id="rId11"/>
+    <p:sldId id="310" r:id="rId12"/>
+    <p:sldId id="334" r:id="rId13"/>
+    <p:sldId id="335" r:id="rId14"/>
+    <p:sldId id="336" r:id="rId15"/>
+    <p:sldId id="312" r:id="rId16"/>
+    <p:sldId id="311" r:id="rId17"/>
+    <p:sldId id="313" r:id="rId18"/>
+    <p:sldId id="314" r:id="rId19"/>
+    <p:sldId id="315" r:id="rId20"/>
+    <p:sldId id="317" r:id="rId21"/>
+    <p:sldId id="316" r:id="rId22"/>
+    <p:sldId id="318" r:id="rId23"/>
+    <p:sldId id="319" r:id="rId24"/>
+    <p:sldId id="320" r:id="rId25"/>
+    <p:sldId id="321" r:id="rId26"/>
+    <p:sldId id="322" r:id="rId27"/>
+    <p:sldId id="323" r:id="rId28"/>
+    <p:sldId id="324" r:id="rId29"/>
+    <p:sldId id="325" r:id="rId30"/>
+    <p:sldId id="327" r:id="rId31"/>
+    <p:sldId id="326" r:id="rId32"/>
+    <p:sldId id="328" r:id="rId33"/>
+    <p:sldId id="301" r:id="rId34"/>
+    <p:sldId id="288" r:id="rId35"/>
   </p:sldIdLst>
   <p:sldSz cx="12192000" cy="6858000"/>
   <p:notesSz cx="6858000" cy="9144000"/>
@@ -143,7 +148,7 @@
 <file path=ppt/revisionInfo.xml><?xml version="1.0" encoding="utf-8"?>
 <p1510:revInfo xmlns:a="http://schemas.openxmlformats.org/drawingml/2006/main" xmlns:r="http://schemas.openxmlformats.org/officeDocument/2006/relationships" xmlns:p1510="http://schemas.microsoft.com/office/powerpoint/2015/10/main">
   <p1510:revLst>
-    <p1510:client id="{C35A5D1B-87DA-4A0D-B91C-6FE2C9D683F5}" v="348" dt="2024-09-02T16:05:58.893"/>
+    <p1510:client id="{C35A5D1B-87DA-4A0D-B91C-6FE2C9D683F5}" v="364" dt="2024-09-03T16:01:19.994"/>
   </p1510:revLst>
 </p1510:revInfo>
 </file>
@@ -3362,7 +3367,7 @@
   <pc:docChgLst>
     <pc:chgData name="泰弘 仲山" userId="857b4835f3abfbd8" providerId="LiveId" clId="{C35A5D1B-87DA-4A0D-B91C-6FE2C9D683F5}"/>
     <pc:docChg chg="undo custSel addSld delSld modSld sldOrd">
-      <pc:chgData name="泰弘 仲山" userId="857b4835f3abfbd8" providerId="LiveId" clId="{C35A5D1B-87DA-4A0D-B91C-6FE2C9D683F5}" dt="2024-09-02T16:06:00.605" v="4947" actId="20577"/>
+      <pc:chgData name="泰弘 仲山" userId="857b4835f3abfbd8" providerId="LiveId" clId="{C35A5D1B-87DA-4A0D-B91C-6FE2C9D683F5}" dt="2024-09-03T16:02:46.005" v="5965" actId="1076"/>
       <pc:docMkLst>
         <pc:docMk/>
       </pc:docMkLst>
@@ -5052,6 +5057,305 @@
             <pc:docMk/>
             <pc:sldMk cId="3064677651" sldId="331"/>
             <ac:picMk id="5" creationId="{B271F3DF-88DE-C548-ABD5-144B4E297322}"/>
+          </ac:picMkLst>
+        </pc:picChg>
+      </pc:sldChg>
+      <pc:sldChg chg="addSp delSp modSp add mod">
+        <pc:chgData name="泰弘 仲山" userId="857b4835f3abfbd8" providerId="LiveId" clId="{C35A5D1B-87DA-4A0D-B91C-6FE2C9D683F5}" dt="2024-09-03T15:11:28.099" v="5024" actId="20577"/>
+        <pc:sldMkLst>
+          <pc:docMk/>
+          <pc:sldMk cId="2510208336" sldId="332"/>
+        </pc:sldMkLst>
+        <pc:spChg chg="mod">
+          <ac:chgData name="泰弘 仲山" userId="857b4835f3abfbd8" providerId="LiveId" clId="{C35A5D1B-87DA-4A0D-B91C-6FE2C9D683F5}" dt="2024-09-03T15:11:28.099" v="5024" actId="20577"/>
+          <ac:spMkLst>
+            <pc:docMk/>
+            <pc:sldMk cId="2510208336" sldId="332"/>
+            <ac:spMk id="2" creationId="{4EE7386E-D72E-65BE-11B7-DC0FB9C87727}"/>
+          </ac:spMkLst>
+        </pc:spChg>
+        <pc:spChg chg="add mod">
+          <ac:chgData name="泰弘 仲山" userId="857b4835f3abfbd8" providerId="LiveId" clId="{C35A5D1B-87DA-4A0D-B91C-6FE2C9D683F5}" dt="2024-09-03T15:10:23.676" v="4981" actId="1076"/>
+          <ac:spMkLst>
+            <pc:docMk/>
+            <pc:sldMk cId="2510208336" sldId="332"/>
+            <ac:spMk id="8" creationId="{639EF2DE-862C-F83C-2239-7D42A145239C}"/>
+          </ac:spMkLst>
+        </pc:spChg>
+        <pc:spChg chg="add mod">
+          <ac:chgData name="泰弘 仲山" userId="857b4835f3abfbd8" providerId="LiveId" clId="{C35A5D1B-87DA-4A0D-B91C-6FE2C9D683F5}" dt="2024-09-03T15:10:30.315" v="4984" actId="1076"/>
+          <ac:spMkLst>
+            <pc:docMk/>
+            <pc:sldMk cId="2510208336" sldId="332"/>
+            <ac:spMk id="9" creationId="{DF1CFD9D-128A-B898-63B9-691DBA6F7A2A}"/>
+          </ac:spMkLst>
+        </pc:spChg>
+        <pc:spChg chg="add mod">
+          <ac:chgData name="泰弘 仲山" userId="857b4835f3abfbd8" providerId="LiveId" clId="{C35A5D1B-87DA-4A0D-B91C-6FE2C9D683F5}" dt="2024-09-03T15:10:58.817" v="5004" actId="1076"/>
+          <ac:spMkLst>
+            <pc:docMk/>
+            <pc:sldMk cId="2510208336" sldId="332"/>
+            <ac:spMk id="10" creationId="{E3D40379-2D5C-A522-5459-B6046F6FD432}"/>
+          </ac:spMkLst>
+        </pc:spChg>
+        <pc:picChg chg="add mod">
+          <ac:chgData name="泰弘 仲山" userId="857b4835f3abfbd8" providerId="LiveId" clId="{C35A5D1B-87DA-4A0D-B91C-6FE2C9D683F5}" dt="2024-09-03T15:09:46.132" v="4958" actId="1076"/>
+          <ac:picMkLst>
+            <pc:docMk/>
+            <pc:sldMk cId="2510208336" sldId="332"/>
+            <ac:picMk id="4" creationId="{6A8205F2-4B2E-18EB-DFDA-A33E9BDD5DCA}"/>
+          </ac:picMkLst>
+        </pc:picChg>
+        <pc:picChg chg="add mod">
+          <ac:chgData name="泰弘 仲山" userId="857b4835f3abfbd8" providerId="LiveId" clId="{C35A5D1B-87DA-4A0D-B91C-6FE2C9D683F5}" dt="2024-09-03T15:09:42.174" v="4957" actId="1076"/>
+          <ac:picMkLst>
+            <pc:docMk/>
+            <pc:sldMk cId="2510208336" sldId="332"/>
+            <ac:picMk id="6" creationId="{0DF21BEE-9C54-C8CD-29B6-D7DBB6753BF8}"/>
+          </ac:picMkLst>
+        </pc:picChg>
+        <pc:picChg chg="del">
+          <ac:chgData name="泰弘 仲山" userId="857b4835f3abfbd8" providerId="LiveId" clId="{C35A5D1B-87DA-4A0D-B91C-6FE2C9D683F5}" dt="2024-09-03T15:09:10.959" v="4949" actId="478"/>
+          <ac:picMkLst>
+            <pc:docMk/>
+            <pc:sldMk cId="2510208336" sldId="332"/>
+            <ac:picMk id="7" creationId="{0597BC22-7BD3-CD22-E6D1-D6C45BD149CB}"/>
+          </ac:picMkLst>
+        </pc:picChg>
+      </pc:sldChg>
+      <pc:sldChg chg="addSp delSp modSp add mod">
+        <pc:chgData name="泰弘 仲山" userId="857b4835f3abfbd8" providerId="LiveId" clId="{C35A5D1B-87DA-4A0D-B91C-6FE2C9D683F5}" dt="2024-09-03T15:13:34.149" v="5328" actId="20577"/>
+        <pc:sldMkLst>
+          <pc:docMk/>
+          <pc:sldMk cId="2536700777" sldId="333"/>
+        </pc:sldMkLst>
+        <pc:spChg chg="mod">
+          <ac:chgData name="泰弘 仲山" userId="857b4835f3abfbd8" providerId="LiveId" clId="{C35A5D1B-87DA-4A0D-B91C-6FE2C9D683F5}" dt="2024-09-03T15:11:35.525" v="5038" actId="20577"/>
+          <ac:spMkLst>
+            <pc:docMk/>
+            <pc:sldMk cId="2536700777" sldId="333"/>
+            <ac:spMk id="2" creationId="{4EE7386E-D72E-65BE-11B7-DC0FB9C87727}"/>
+          </ac:spMkLst>
+        </pc:spChg>
+        <pc:spChg chg="add mod">
+          <ac:chgData name="泰弘 仲山" userId="857b4835f3abfbd8" providerId="LiveId" clId="{C35A5D1B-87DA-4A0D-B91C-6FE2C9D683F5}" dt="2024-09-03T15:13:34.149" v="5328" actId="20577"/>
+          <ac:spMkLst>
+            <pc:docMk/>
+            <pc:sldMk cId="2536700777" sldId="333"/>
+            <ac:spMk id="7" creationId="{5F42A200-59D8-662F-39D2-68C3223698BB}"/>
+          </ac:spMkLst>
+        </pc:spChg>
+        <pc:spChg chg="del">
+          <ac:chgData name="泰弘 仲山" userId="857b4835f3abfbd8" providerId="LiveId" clId="{C35A5D1B-87DA-4A0D-B91C-6FE2C9D683F5}" dt="2024-09-03T15:11:08.561" v="5007" actId="478"/>
+          <ac:spMkLst>
+            <pc:docMk/>
+            <pc:sldMk cId="2536700777" sldId="333"/>
+            <ac:spMk id="8" creationId="{639EF2DE-862C-F83C-2239-7D42A145239C}"/>
+          </ac:spMkLst>
+        </pc:spChg>
+        <pc:spChg chg="del">
+          <ac:chgData name="泰弘 仲山" userId="857b4835f3abfbd8" providerId="LiveId" clId="{C35A5D1B-87DA-4A0D-B91C-6FE2C9D683F5}" dt="2024-09-03T15:11:21.925" v="5010" actId="478"/>
+          <ac:spMkLst>
+            <pc:docMk/>
+            <pc:sldMk cId="2536700777" sldId="333"/>
+            <ac:spMk id="9" creationId="{DF1CFD9D-128A-B898-63B9-691DBA6F7A2A}"/>
+          </ac:spMkLst>
+        </pc:spChg>
+        <pc:spChg chg="mod">
+          <ac:chgData name="泰弘 仲山" userId="857b4835f3abfbd8" providerId="LiveId" clId="{C35A5D1B-87DA-4A0D-B91C-6FE2C9D683F5}" dt="2024-09-03T15:11:54.632" v="5043" actId="1076"/>
+          <ac:spMkLst>
+            <pc:docMk/>
+            <pc:sldMk cId="2536700777" sldId="333"/>
+            <ac:spMk id="10" creationId="{E3D40379-2D5C-A522-5459-B6046F6FD432}"/>
+          </ac:spMkLst>
+        </pc:spChg>
+        <pc:picChg chg="del">
+          <ac:chgData name="泰弘 仲山" userId="857b4835f3abfbd8" providerId="LiveId" clId="{C35A5D1B-87DA-4A0D-B91C-6FE2C9D683F5}" dt="2024-09-03T15:11:05.640" v="5006" actId="478"/>
+          <ac:picMkLst>
+            <pc:docMk/>
+            <pc:sldMk cId="2536700777" sldId="333"/>
+            <ac:picMk id="4" creationId="{6A8205F2-4B2E-18EB-DFDA-A33E9BDD5DCA}"/>
+          </ac:picMkLst>
+        </pc:picChg>
+        <pc:picChg chg="add mod">
+          <ac:chgData name="泰弘 仲山" userId="857b4835f3abfbd8" providerId="LiveId" clId="{C35A5D1B-87DA-4A0D-B91C-6FE2C9D683F5}" dt="2024-09-03T15:13:05.597" v="5247" actId="1076"/>
+          <ac:picMkLst>
+            <pc:docMk/>
+            <pc:sldMk cId="2536700777" sldId="333"/>
+            <ac:picMk id="5" creationId="{FF6C871B-5802-58F6-9985-29E9DA257CCF}"/>
+          </ac:picMkLst>
+        </pc:picChg>
+        <pc:picChg chg="del">
+          <ac:chgData name="泰弘 仲山" userId="857b4835f3abfbd8" providerId="LiveId" clId="{C35A5D1B-87DA-4A0D-B91C-6FE2C9D683F5}" dt="2024-09-03T15:11:19.715" v="5009" actId="478"/>
+          <ac:picMkLst>
+            <pc:docMk/>
+            <pc:sldMk cId="2536700777" sldId="333"/>
+            <ac:picMk id="6" creationId="{0DF21BEE-9C54-C8CD-29B6-D7DBB6753BF8}"/>
+          </ac:picMkLst>
+        </pc:picChg>
+      </pc:sldChg>
+      <pc:sldChg chg="addSp delSp modSp add mod">
+        <pc:chgData name="泰弘 仲山" userId="857b4835f3abfbd8" providerId="LiveId" clId="{C35A5D1B-87DA-4A0D-B91C-6FE2C9D683F5}" dt="2024-09-03T16:01:06.997" v="5886" actId="14100"/>
+        <pc:sldMkLst>
+          <pc:docMk/>
+          <pc:sldMk cId="4199638263" sldId="334"/>
+        </pc:sldMkLst>
+        <pc:spChg chg="mod">
+          <ac:chgData name="泰弘 仲山" userId="857b4835f3abfbd8" providerId="LiveId" clId="{C35A5D1B-87DA-4A0D-B91C-6FE2C9D683F5}" dt="2024-09-03T15:37:52.022" v="5355" actId="20577"/>
+          <ac:spMkLst>
+            <pc:docMk/>
+            <pc:sldMk cId="4199638263" sldId="334"/>
+            <ac:spMk id="2" creationId="{F1068B51-687A-771B-1EE0-B594EFA1889A}"/>
+          </ac:spMkLst>
+        </pc:spChg>
+        <pc:spChg chg="del mod">
+          <ac:chgData name="泰弘 仲山" userId="857b4835f3abfbd8" providerId="LiveId" clId="{C35A5D1B-87DA-4A0D-B91C-6FE2C9D683F5}" dt="2024-09-03T15:42:01.878" v="5538" actId="478"/>
+          <ac:spMkLst>
+            <pc:docMk/>
+            <pc:sldMk cId="4199638263" sldId="334"/>
+            <ac:spMk id="3" creationId="{3BEA36E0-6B97-A042-21D7-427F974055F0}"/>
+          </ac:spMkLst>
+        </pc:spChg>
+        <pc:spChg chg="add mod">
+          <ac:chgData name="泰弘 仲山" userId="857b4835f3abfbd8" providerId="LiveId" clId="{C35A5D1B-87DA-4A0D-B91C-6FE2C9D683F5}" dt="2024-09-03T16:01:06.997" v="5886" actId="14100"/>
+          <ac:spMkLst>
+            <pc:docMk/>
+            <pc:sldMk cId="4199638263" sldId="334"/>
+            <ac:spMk id="6" creationId="{E314C5B7-10FC-1EE2-242D-FF280CF9EA07}"/>
+          </ac:spMkLst>
+        </pc:spChg>
+        <pc:spChg chg="add mod">
+          <ac:chgData name="泰弘 仲山" userId="857b4835f3abfbd8" providerId="LiveId" clId="{C35A5D1B-87DA-4A0D-B91C-6FE2C9D683F5}" dt="2024-09-03T16:00:52.456" v="5884" actId="14100"/>
+          <ac:spMkLst>
+            <pc:docMk/>
+            <pc:sldMk cId="4199638263" sldId="334"/>
+            <ac:spMk id="7" creationId="{A37E6ECE-E05D-F28A-1978-6BB2A07B4AD5}"/>
+          </ac:spMkLst>
+        </pc:spChg>
+        <pc:picChg chg="add mod">
+          <ac:chgData name="泰弘 仲山" userId="857b4835f3abfbd8" providerId="LiveId" clId="{C35A5D1B-87DA-4A0D-B91C-6FE2C9D683F5}" dt="2024-09-03T16:00:56.603" v="5885" actId="1076"/>
+          <ac:picMkLst>
+            <pc:docMk/>
+            <pc:sldMk cId="4199638263" sldId="334"/>
+            <ac:picMk id="5" creationId="{CAEE19FA-AD5E-6256-8A5A-5BCFE7DBD072}"/>
+          </ac:picMkLst>
+        </pc:picChg>
+        <pc:picChg chg="del">
+          <ac:chgData name="泰弘 仲山" userId="857b4835f3abfbd8" providerId="LiveId" clId="{C35A5D1B-87DA-4A0D-B91C-6FE2C9D683F5}" dt="2024-09-03T15:37:55.769" v="5356" actId="478"/>
+          <ac:picMkLst>
+            <pc:docMk/>
+            <pc:sldMk cId="4199638263" sldId="334"/>
+            <ac:picMk id="1028" creationId="{CD7E1275-F2A8-A2E7-A9F5-275434192D30}"/>
+          </ac:picMkLst>
+        </pc:picChg>
+      </pc:sldChg>
+      <pc:sldChg chg="addSp delSp modSp add mod">
+        <pc:chgData name="泰弘 仲山" userId="857b4835f3abfbd8" providerId="LiveId" clId="{C35A5D1B-87DA-4A0D-B91C-6FE2C9D683F5}" dt="2024-09-03T15:39:58.677" v="5443" actId="20577"/>
+        <pc:sldMkLst>
+          <pc:docMk/>
+          <pc:sldMk cId="2656998296" sldId="335"/>
+        </pc:sldMkLst>
+        <pc:spChg chg="del">
+          <ac:chgData name="泰弘 仲山" userId="857b4835f3abfbd8" providerId="LiveId" clId="{C35A5D1B-87DA-4A0D-B91C-6FE2C9D683F5}" dt="2024-09-03T15:39:10.231" v="5367" actId="478"/>
+          <ac:spMkLst>
+            <pc:docMk/>
+            <pc:sldMk cId="2656998296" sldId="335"/>
+            <ac:spMk id="3" creationId="{3BEA36E0-6B97-A042-21D7-427F974055F0}"/>
+          </ac:spMkLst>
+        </pc:spChg>
+        <pc:spChg chg="add mod">
+          <ac:chgData name="泰弘 仲山" userId="857b4835f3abfbd8" providerId="LiveId" clId="{C35A5D1B-87DA-4A0D-B91C-6FE2C9D683F5}" dt="2024-09-03T15:39:58.677" v="5443" actId="20577"/>
+          <ac:spMkLst>
+            <pc:docMk/>
+            <pc:sldMk cId="2656998296" sldId="335"/>
+            <ac:spMk id="9" creationId="{52D509A8-B114-CEF3-57AD-E50558B4EF80}"/>
+          </ac:spMkLst>
+        </pc:spChg>
+        <pc:spChg chg="add mod">
+          <ac:chgData name="泰弘 仲山" userId="857b4835f3abfbd8" providerId="LiveId" clId="{C35A5D1B-87DA-4A0D-B91C-6FE2C9D683F5}" dt="2024-09-03T15:39:55.238" v="5437" actId="20577"/>
+          <ac:spMkLst>
+            <pc:docMk/>
+            <pc:sldMk cId="2656998296" sldId="335"/>
+            <ac:spMk id="10" creationId="{3DBB0C2E-55C1-BCB8-08B3-11EE577D7644}"/>
+          </ac:spMkLst>
+        </pc:spChg>
+        <pc:picChg chg="del">
+          <ac:chgData name="泰弘 仲山" userId="857b4835f3abfbd8" providerId="LiveId" clId="{C35A5D1B-87DA-4A0D-B91C-6FE2C9D683F5}" dt="2024-09-03T15:38:41.365" v="5362" actId="478"/>
+          <ac:picMkLst>
+            <pc:docMk/>
+            <pc:sldMk cId="2656998296" sldId="335"/>
+            <ac:picMk id="5" creationId="{CAEE19FA-AD5E-6256-8A5A-5BCFE7DBD072}"/>
+          </ac:picMkLst>
+        </pc:picChg>
+        <pc:picChg chg="add mod">
+          <ac:chgData name="泰弘 仲山" userId="857b4835f3abfbd8" providerId="LiveId" clId="{C35A5D1B-87DA-4A0D-B91C-6FE2C9D683F5}" dt="2024-09-03T15:38:50.585" v="5364" actId="1076"/>
+          <ac:picMkLst>
+            <pc:docMk/>
+            <pc:sldMk cId="2656998296" sldId="335"/>
+            <ac:picMk id="6" creationId="{E5A5AD9F-6A67-0EF4-6FD3-DE1325F46059}"/>
+          </ac:picMkLst>
+        </pc:picChg>
+        <pc:picChg chg="add mod">
+          <ac:chgData name="泰弘 仲山" userId="857b4835f3abfbd8" providerId="LiveId" clId="{C35A5D1B-87DA-4A0D-B91C-6FE2C9D683F5}" dt="2024-09-03T15:39:08.161" v="5366" actId="1076"/>
+          <ac:picMkLst>
+            <pc:docMk/>
+            <pc:sldMk cId="2656998296" sldId="335"/>
+            <ac:picMk id="8" creationId="{1D369EE6-8D69-A211-6168-94FABD900CE1}"/>
+          </ac:picMkLst>
+        </pc:picChg>
+      </pc:sldChg>
+      <pc:sldChg chg="addSp delSp modSp add mod">
+        <pc:chgData name="泰弘 仲山" userId="857b4835f3abfbd8" providerId="LiveId" clId="{C35A5D1B-87DA-4A0D-B91C-6FE2C9D683F5}" dt="2024-09-03T16:02:46.005" v="5965" actId="1076"/>
+        <pc:sldMkLst>
+          <pc:docMk/>
+          <pc:sldMk cId="2548050738" sldId="336"/>
+        </pc:sldMkLst>
+        <pc:spChg chg="add mod">
+          <ac:chgData name="泰弘 仲山" userId="857b4835f3abfbd8" providerId="LiveId" clId="{C35A5D1B-87DA-4A0D-B91C-6FE2C9D683F5}" dt="2024-09-03T16:02:46.005" v="5965" actId="1076"/>
+          <ac:spMkLst>
+            <pc:docMk/>
+            <pc:sldMk cId="2548050738" sldId="336"/>
+            <ac:spMk id="5" creationId="{CB6D4BE4-449D-E13B-6CC7-5D63F3B6F7AF}"/>
+          </ac:spMkLst>
+        </pc:spChg>
+        <pc:spChg chg="mod">
+          <ac:chgData name="泰弘 仲山" userId="857b4835f3abfbd8" providerId="LiveId" clId="{C35A5D1B-87DA-4A0D-B91C-6FE2C9D683F5}" dt="2024-09-03T15:41:20.711" v="5533" actId="1076"/>
+          <ac:spMkLst>
+            <pc:docMk/>
+            <pc:sldMk cId="2548050738" sldId="336"/>
+            <ac:spMk id="9" creationId="{52D509A8-B114-CEF3-57AD-E50558B4EF80}"/>
+          </ac:spMkLst>
+        </pc:spChg>
+        <pc:spChg chg="del">
+          <ac:chgData name="泰弘 仲山" userId="857b4835f3abfbd8" providerId="LiveId" clId="{C35A5D1B-87DA-4A0D-B91C-6FE2C9D683F5}" dt="2024-09-03T15:40:33.170" v="5452" actId="478"/>
+          <ac:spMkLst>
+            <pc:docMk/>
+            <pc:sldMk cId="2548050738" sldId="336"/>
+            <ac:spMk id="10" creationId="{3DBB0C2E-55C1-BCB8-08B3-11EE577D7644}"/>
+          </ac:spMkLst>
+        </pc:spChg>
+        <pc:picChg chg="add mod">
+          <ac:chgData name="泰弘 仲山" userId="857b4835f3abfbd8" providerId="LiveId" clId="{C35A5D1B-87DA-4A0D-B91C-6FE2C9D683F5}" dt="2024-09-03T16:01:10.298" v="5887" actId="1076"/>
+          <ac:picMkLst>
+            <pc:docMk/>
+            <pc:sldMk cId="2548050738" sldId="336"/>
+            <ac:picMk id="4" creationId="{60E69BF0-ECD2-D89F-0645-6CCD9972B202}"/>
+          </ac:picMkLst>
+        </pc:picChg>
+        <pc:picChg chg="del">
+          <ac:chgData name="泰弘 仲山" userId="857b4835f3abfbd8" providerId="LiveId" clId="{C35A5D1B-87DA-4A0D-B91C-6FE2C9D683F5}" dt="2024-09-03T15:40:26.391" v="5449" actId="478"/>
+          <ac:picMkLst>
+            <pc:docMk/>
+            <pc:sldMk cId="2548050738" sldId="336"/>
+            <ac:picMk id="6" creationId="{E5A5AD9F-6A67-0EF4-6FD3-DE1325F46059}"/>
+          </ac:picMkLst>
+        </pc:picChg>
+        <pc:picChg chg="del">
+          <ac:chgData name="泰弘 仲山" userId="857b4835f3abfbd8" providerId="LiveId" clId="{C35A5D1B-87DA-4A0D-B91C-6FE2C9D683F5}" dt="2024-09-03T15:40:23.560" v="5448" actId="478"/>
+          <ac:picMkLst>
+            <pc:docMk/>
+            <pc:sldMk cId="2548050738" sldId="336"/>
+            <ac:picMk id="8" creationId="{1D369EE6-8D69-A211-6168-94FABD900CE1}"/>
           </ac:picMkLst>
         </pc:picChg>
       </pc:sldChg>
@@ -9153,7 +9457,7 @@
           <p:cNvPr id="2" name="タイトル 1">
             <a:extLst>
               <a:ext uri="{FF2B5EF4-FFF2-40B4-BE49-F238E27FC236}">
-                <a16:creationId xmlns:a16="http://schemas.microsoft.com/office/drawing/2014/main" id="{F1068B51-687A-771B-1EE0-B594EFA1889A}"/>
+                <a16:creationId xmlns:a16="http://schemas.microsoft.com/office/drawing/2014/main" id="{4EE7386E-D72E-65BE-11B7-DC0FB9C87727}"/>
               </a:ext>
             </a:extLst>
           </p:cNvPr>
@@ -9170,18 +9474,25 @@
           <a:lstStyle/>
           <a:p>
             <a:r>
+              <a:rPr kumimoji="1" lang="ja-JP" altLang="en-US" dirty="0"/>
+              <a:t>（</a:t>
+            </a:r>
+            <a:r>
               <a:rPr lang="ja-JP" altLang="en-US" dirty="0"/>
-              <a:t>簡単なデータで生成実験（</a:t>
-            </a:r>
-            <a:r>
-              <a:rPr lang="en-US" altLang="ja-JP" dirty="0"/>
-              <a:t>Generator</a:t>
-            </a:r>
-            <a:r>
-              <a:rPr lang="ja-JP" altLang="en-US" dirty="0"/>
+              <a:t>参考</a:t>
+            </a:r>
+            <a:r>
+              <a:rPr kumimoji="1" lang="ja-JP" altLang="en-US" dirty="0"/>
               <a:t>）</a:t>
             </a:r>
-            <a:endParaRPr kumimoji="1" lang="ja-JP" altLang="en-US" dirty="0"/>
+            <a:r>
+              <a:rPr kumimoji="1" lang="en-US" altLang="ja-JP" dirty="0"/>
+              <a:t>GAN</a:t>
+            </a:r>
+            <a:r>
+              <a:rPr kumimoji="1" lang="ja-JP" altLang="en-US" dirty="0"/>
+              <a:t>の派生モデル</a:t>
+            </a:r>
           </a:p>
         </p:txBody>
       </p:sp>
@@ -9190,7 +9501,7 @@
           <p:cNvPr id="3" name="コンテンツ プレースホルダー 2">
             <a:extLst>
               <a:ext uri="{FF2B5EF4-FFF2-40B4-BE49-F238E27FC236}">
-                <a16:creationId xmlns:a16="http://schemas.microsoft.com/office/drawing/2014/main" id="{3BEA36E0-6B97-A042-21D7-427F974055F0}"/>
+                <a16:creationId xmlns:a16="http://schemas.microsoft.com/office/drawing/2014/main" id="{C6C4C2F8-DE03-C390-A674-4892B0893685}"/>
               </a:ext>
             </a:extLst>
           </p:cNvPr>
@@ -9203,230 +9514,257 @@
         </p:nvSpPr>
         <p:spPr>
           <a:xfrm>
-            <a:off x="145473" y="948909"/>
-            <a:ext cx="11723253" cy="5147830"/>
+            <a:off x="145472" y="1012722"/>
+            <a:ext cx="11723253" cy="5604387"/>
           </a:xfrm>
         </p:spPr>
         <p:txBody>
-          <a:bodyPr/>
-          <a:lstStyle/>
-          <a:p>
-            <a:r>
-              <a:rPr lang="en-US" altLang="ja-JP" dirty="0"/>
-              <a:t>Generator</a:t>
-            </a:r>
-          </a:p>
-          <a:p>
-            <a:pPr lvl="1"/>
-            <a:r>
-              <a:rPr kumimoji="1" lang="ja-JP" altLang="en-US" dirty="0"/>
-              <a:t>インプット：</a:t>
-            </a:r>
-            <a:r>
-              <a:rPr kumimoji="1" lang="en-US" altLang="ja-JP" dirty="0"/>
-              <a:t>100</a:t>
-            </a:r>
-            <a:r>
-              <a:rPr kumimoji="1" lang="ja-JP" altLang="en-US" dirty="0"/>
-              <a:t>次元の正規乱数（ランダムベクトル）</a:t>
-            </a:r>
-            <a:endParaRPr kumimoji="1" lang="en-US" altLang="ja-JP" dirty="0"/>
-          </a:p>
-          <a:p>
-            <a:pPr lvl="1"/>
-            <a:endParaRPr kumimoji="1" lang="en-US" altLang="ja-JP" dirty="0"/>
-          </a:p>
-          <a:p>
-            <a:pPr lvl="1"/>
-            <a:r>
-              <a:rPr lang="ja-JP" altLang="en-US" dirty="0"/>
-              <a:t>全結合層①　</a:t>
-            </a:r>
-            <a:r>
-              <a:rPr lang="en-US" altLang="ja-JP" dirty="0"/>
-              <a:t>100</a:t>
-            </a:r>
-            <a:r>
-              <a:rPr lang="ja-JP" altLang="en-US" dirty="0"/>
-              <a:t>次元⇒</a:t>
-            </a:r>
-            <a:r>
-              <a:rPr lang="en-US" altLang="ja-JP" dirty="0"/>
-              <a:t>100</a:t>
-            </a:r>
-            <a:r>
-              <a:rPr lang="ja-JP" altLang="en-US" dirty="0"/>
-              <a:t>次元</a:t>
-            </a:r>
-            <a:endParaRPr lang="en-US" altLang="ja-JP" dirty="0"/>
-          </a:p>
-          <a:p>
-            <a:pPr lvl="2"/>
-            <a:r>
-              <a:rPr kumimoji="1" lang="ja-JP" altLang="en-US" sz="2400" dirty="0"/>
-              <a:t>活性化関数　</a:t>
-            </a:r>
-            <a:r>
-              <a:rPr kumimoji="1" lang="en-US" altLang="ja-JP" sz="2400" dirty="0" err="1"/>
-              <a:t>LeakyRelu</a:t>
-            </a:r>
-            <a:r>
-              <a:rPr kumimoji="1" lang="ja-JP" altLang="en-US" sz="2400" dirty="0"/>
-              <a:t>（</a:t>
-            </a:r>
-            <a:r>
-              <a:rPr kumimoji="1" lang="en-US" altLang="ja-JP" sz="2400" dirty="0"/>
-              <a:t>alpha=0.2</a:t>
-            </a:r>
-            <a:r>
-              <a:rPr kumimoji="1" lang="ja-JP" altLang="en-US" sz="2400" dirty="0"/>
-              <a:t>）</a:t>
-            </a:r>
-            <a:endParaRPr kumimoji="1" lang="en-US" altLang="ja-JP" sz="2400" dirty="0"/>
-          </a:p>
-          <a:p>
-            <a:pPr lvl="2"/>
-            <a:endParaRPr kumimoji="1" lang="en-US" altLang="ja-JP" sz="2400" dirty="0"/>
-          </a:p>
-          <a:p>
-            <a:pPr lvl="1"/>
-            <a:r>
-              <a:rPr lang="ja-JP" altLang="en-US" dirty="0"/>
-              <a:t>全結合層②　</a:t>
-            </a:r>
-            <a:r>
-              <a:rPr lang="en-US" altLang="ja-JP" dirty="0"/>
-              <a:t>100</a:t>
-            </a:r>
-            <a:r>
-              <a:rPr lang="ja-JP" altLang="en-US" dirty="0"/>
-              <a:t>次元⇒</a:t>
-            </a:r>
-            <a:r>
-              <a:rPr lang="en-US" altLang="ja-JP" dirty="0"/>
-              <a:t>50</a:t>
-            </a:r>
-            <a:r>
-              <a:rPr lang="ja-JP" altLang="en-US" dirty="0"/>
-              <a:t>次元</a:t>
-            </a:r>
-            <a:endParaRPr kumimoji="1" lang="en-US" altLang="ja-JP" dirty="0"/>
-          </a:p>
-        </p:txBody>
-      </p:sp>
-      <p:pic>
-        <p:nvPicPr>
-          <p:cNvPr id="5" name="図 4">
-            <a:extLst>
-              <a:ext uri="{FF2B5EF4-FFF2-40B4-BE49-F238E27FC236}">
-                <a16:creationId xmlns:a16="http://schemas.microsoft.com/office/drawing/2014/main" id="{4F59BAF6-CA90-629C-E498-F9F3AF930E10}"/>
-              </a:ext>
-            </a:extLst>
-          </p:cNvPr>
-          <p:cNvPicPr>
-            <a:picLocks noChangeAspect="1"/>
-          </p:cNvPicPr>
-          <p:nvPr/>
-        </p:nvPicPr>
-        <p:blipFill>
-          <a:blip r:embed="rId2"/>
-          <a:stretch>
-            <a:fillRect/>
-          </a:stretch>
-        </p:blipFill>
-        <p:spPr>
-          <a:xfrm>
-            <a:off x="7281295" y="1980848"/>
-            <a:ext cx="3937311" cy="3896825"/>
-          </a:xfrm>
-          <a:prstGeom prst="rect">
-            <a:avLst/>
-          </a:prstGeom>
-        </p:spPr>
-      </p:pic>
-      <p:sp>
-        <p:nvSpPr>
-          <p:cNvPr id="6" name="テキスト ボックス 5">
-            <a:extLst>
-              <a:ext uri="{FF2B5EF4-FFF2-40B4-BE49-F238E27FC236}">
-                <a16:creationId xmlns:a16="http://schemas.microsoft.com/office/drawing/2014/main" id="{C806556C-4978-077E-E4A8-4548EF8C0DE0}"/>
-              </a:ext>
-            </a:extLst>
-          </p:cNvPr>
-          <p:cNvSpPr txBox="1"/>
-          <p:nvPr/>
-        </p:nvSpPr>
-        <p:spPr>
-          <a:xfrm>
-            <a:off x="6992657" y="5965247"/>
-            <a:ext cx="4765232" cy="646331"/>
-          </a:xfrm>
-          <a:prstGeom prst="rect">
-            <a:avLst/>
-          </a:prstGeom>
-          <a:noFill/>
-        </p:spPr>
-        <p:txBody>
-          <a:bodyPr wrap="square" rtlCol="0">
-            <a:spAutoFit/>
+          <a:bodyPr>
+            <a:normAutofit lnSpcReduction="10000"/>
           </a:bodyPr>
           <a:lstStyle/>
           <a:p>
             <a:r>
-              <a:rPr kumimoji="1" lang="en-US" altLang="ja-JP" dirty="0"/>
-              <a:t>GPT-4o</a:t>
-            </a:r>
-            <a:r>
-              <a:rPr kumimoji="1" lang="ja-JP" altLang="en-US" dirty="0"/>
-              <a:t>にネットワークの図を作成してもらったら意味不明な図が生成された・・・</a:t>
-            </a:r>
-          </a:p>
-        </p:txBody>
-      </p:sp>
-      <p:sp>
-        <p:nvSpPr>
-          <p:cNvPr id="7" name="テキスト ボックス 6">
-            <a:extLst>
-              <a:ext uri="{FF2B5EF4-FFF2-40B4-BE49-F238E27FC236}">
-                <a16:creationId xmlns:a16="http://schemas.microsoft.com/office/drawing/2014/main" id="{1A8D85DC-9BB3-1AE0-08F8-22359DDF599A}"/>
-              </a:ext>
-            </a:extLst>
-          </p:cNvPr>
-          <p:cNvSpPr txBox="1"/>
-          <p:nvPr/>
-        </p:nvSpPr>
-        <p:spPr>
-          <a:xfrm>
-            <a:off x="815765" y="5265755"/>
-            <a:ext cx="2959822" cy="400110"/>
-          </a:xfrm>
-          <a:prstGeom prst="rect">
-            <a:avLst/>
-          </a:prstGeom>
-          <a:noFill/>
-        </p:spPr>
-        <p:txBody>
-          <a:bodyPr wrap="square" rtlCol="0">
-            <a:spAutoFit/>
-          </a:bodyPr>
-          <a:lstStyle/>
-          <a:p>
+              <a:rPr kumimoji="1" lang="en-US" altLang="ja-JP" sz="2000" dirty="0"/>
+              <a:t>DCGAN</a:t>
+            </a:r>
+            <a:r>
+              <a:rPr kumimoji="1" lang="ja-JP" altLang="en-US" sz="2000" dirty="0"/>
+              <a:t>（</a:t>
+            </a:r>
+            <a:r>
+              <a:rPr kumimoji="1" lang="en-US" altLang="ja-JP" sz="2000" dirty="0"/>
+              <a:t>Deep Convolutional GAN</a:t>
+            </a:r>
             <a:r>
               <a:rPr lang="ja-JP" altLang="en-US" sz="2000" dirty="0"/>
-              <a:t>学習率　</a:t>
+              <a:t> </a:t>
             </a:r>
             <a:r>
               <a:rPr lang="en-US" altLang="ja-JP" sz="2000" dirty="0"/>
-              <a:t>0.0002</a:t>
-            </a:r>
-            <a:endParaRPr kumimoji="1" lang="ja-JP" altLang="en-US" sz="2000" dirty="0"/>
+              <a:t>:</a:t>
+            </a:r>
+            <a:r>
+              <a:rPr lang="ja-JP" altLang="en-US" sz="2000" dirty="0"/>
+              <a:t> </a:t>
+            </a:r>
+            <a:r>
+              <a:rPr kumimoji="1" lang="en-US" altLang="ja-JP" sz="2000" dirty="0"/>
+              <a:t>2015</a:t>
+            </a:r>
+          </a:p>
+          <a:p>
+            <a:pPr lvl="1"/>
+            <a:r>
+              <a:rPr kumimoji="1" lang="ja-JP" altLang="en-US" sz="1600" dirty="0"/>
+              <a:t>畳み込み層を</a:t>
+            </a:r>
+            <a:r>
+              <a:rPr kumimoji="1" lang="en-US" altLang="ja-JP" sz="1600" dirty="0"/>
+              <a:t>Generator</a:t>
+            </a:r>
+            <a:r>
+              <a:rPr kumimoji="1" lang="ja-JP" altLang="en-US" sz="1600" dirty="0"/>
+              <a:t>と</a:t>
+            </a:r>
+            <a:r>
+              <a:rPr kumimoji="1" lang="en-US" altLang="ja-JP" sz="1600" dirty="0"/>
+              <a:t>Discriminator</a:t>
+            </a:r>
+            <a:r>
+              <a:rPr kumimoji="1" lang="ja-JP" altLang="en-US" sz="1600" dirty="0"/>
+              <a:t>の両方に組み込むことで、より鮮明でリアリティのある画像生成が可能</a:t>
+            </a:r>
+            <a:endParaRPr kumimoji="1" lang="en-US" altLang="ja-JP" sz="1600" dirty="0"/>
+          </a:p>
+          <a:p>
+            <a:pPr lvl="1"/>
+            <a:r>
+              <a:rPr kumimoji="1" lang="ja-JP" altLang="en-US" sz="1600" dirty="0"/>
+              <a:t>安定した学習と高品質な画像生成を実現し、</a:t>
+            </a:r>
+            <a:r>
+              <a:rPr kumimoji="1" lang="en-US" altLang="ja-JP" sz="1600" dirty="0"/>
+              <a:t>GAN</a:t>
+            </a:r>
+            <a:r>
+              <a:rPr kumimoji="1" lang="ja-JP" altLang="en-US" sz="1600" dirty="0"/>
+              <a:t>の基礎モデルとして広く利用されている</a:t>
+            </a:r>
+            <a:endParaRPr kumimoji="1" lang="en-US" altLang="ja-JP" sz="1600" dirty="0"/>
+          </a:p>
+          <a:p>
+            <a:r>
+              <a:rPr kumimoji="1" lang="en-US" altLang="ja-JP" sz="2000" dirty="0"/>
+              <a:t>CGAN</a:t>
+            </a:r>
+            <a:r>
+              <a:rPr kumimoji="1" lang="ja-JP" altLang="en-US" sz="2000" dirty="0"/>
+              <a:t>（</a:t>
+            </a:r>
+            <a:r>
+              <a:rPr kumimoji="1" lang="en-US" altLang="ja-JP" sz="2000" dirty="0"/>
+              <a:t>Conditional GAN</a:t>
+            </a:r>
+            <a:r>
+              <a:rPr kumimoji="1" lang="ja-JP" altLang="en-US" sz="2000" dirty="0"/>
+              <a:t>）</a:t>
+            </a:r>
+            <a:endParaRPr kumimoji="1" lang="en-US" altLang="ja-JP" sz="2000" dirty="0"/>
+          </a:p>
+          <a:p>
+            <a:pPr lvl="1"/>
+            <a:r>
+              <a:rPr kumimoji="1" lang="en-US" altLang="ja-JP" sz="1600" dirty="0"/>
+              <a:t>Generator</a:t>
+            </a:r>
+            <a:r>
+              <a:rPr kumimoji="1" lang="ja-JP" altLang="en-US" sz="1600" dirty="0"/>
+              <a:t>と</a:t>
+            </a:r>
+            <a:r>
+              <a:rPr kumimoji="1" lang="en-US" altLang="ja-JP" sz="1600" dirty="0"/>
+              <a:t>Discriminator</a:t>
+            </a:r>
+            <a:r>
+              <a:rPr kumimoji="1" lang="ja-JP" altLang="en-US" sz="1600" dirty="0"/>
+              <a:t>に条件を入力することで、特定の条件に基づいた画像生成が可能</a:t>
+            </a:r>
+            <a:endParaRPr kumimoji="1" lang="en-US" altLang="ja-JP" sz="1600" dirty="0"/>
+          </a:p>
+          <a:p>
+            <a:pPr lvl="1"/>
+            <a:r>
+              <a:rPr kumimoji="1" lang="ja-JP" altLang="en-US" sz="1600" dirty="0"/>
+              <a:t>例えば、</a:t>
+            </a:r>
+            <a:r>
+              <a:rPr kumimoji="1" lang="en-US" altLang="ja-JP" sz="1600" dirty="0"/>
+              <a:t>MNIST</a:t>
+            </a:r>
+            <a:r>
+              <a:rPr kumimoji="1" lang="ja-JP" altLang="en-US" sz="1600" dirty="0"/>
+              <a:t>データセットで、特定の数字の画像を生成したい場合などに有効</a:t>
+            </a:r>
+            <a:endParaRPr kumimoji="1" lang="en-US" altLang="ja-JP" sz="1600" dirty="0"/>
+          </a:p>
+          <a:p>
+            <a:r>
+              <a:rPr kumimoji="1" lang="en-US" altLang="ja-JP" sz="2000" dirty="0" err="1"/>
+              <a:t>CycleGAN</a:t>
+            </a:r>
+            <a:r>
+              <a:rPr kumimoji="1" lang="ja-JP" altLang="en-US" sz="2000" dirty="0"/>
+              <a:t> </a:t>
+            </a:r>
+            <a:r>
+              <a:rPr kumimoji="1" lang="en-US" altLang="ja-JP" sz="2000" dirty="0"/>
+              <a:t>:</a:t>
+            </a:r>
+            <a:r>
+              <a:rPr kumimoji="1" lang="ja-JP" altLang="en-US" sz="2000" dirty="0"/>
+              <a:t> </a:t>
+            </a:r>
+            <a:r>
+              <a:rPr kumimoji="1" lang="en-US" altLang="ja-JP" sz="2000" dirty="0"/>
+              <a:t>2017</a:t>
+            </a:r>
+            <a:endParaRPr lang="en-US" altLang="ja-JP" sz="2000" dirty="0"/>
+          </a:p>
+          <a:p>
+            <a:pPr lvl="1"/>
+            <a:r>
+              <a:rPr kumimoji="1" lang="ja-JP" altLang="en-US" sz="1600" dirty="0"/>
+              <a:t>異なるドメイン間の画像変換を行うためのモデル</a:t>
+            </a:r>
+            <a:endParaRPr kumimoji="1" lang="en-US" altLang="ja-JP" sz="1600" dirty="0"/>
+          </a:p>
+          <a:p>
+            <a:pPr lvl="1"/>
+            <a:r>
+              <a:rPr kumimoji="1" lang="ja-JP" altLang="en-US" sz="1600" dirty="0"/>
+              <a:t>例えば、写真と絵画、夏と冬の画像など、異なるスタイルの画像間の変換が可能</a:t>
+            </a:r>
+            <a:endParaRPr kumimoji="1" lang="en-US" altLang="ja-JP" sz="1600" dirty="0"/>
+          </a:p>
+          <a:p>
+            <a:r>
+              <a:rPr kumimoji="1" lang="en-US" altLang="ja-JP" sz="2000" dirty="0"/>
+              <a:t>StyleGAN</a:t>
+            </a:r>
+            <a:endParaRPr lang="en-US" altLang="ja-JP" sz="2000" dirty="0"/>
+          </a:p>
+          <a:p>
+            <a:pPr lvl="1"/>
+            <a:r>
+              <a:rPr kumimoji="1" lang="ja-JP" altLang="en-US" sz="1600" dirty="0"/>
+              <a:t>画像のスタイルを細かく制御できるモデル</a:t>
+            </a:r>
+            <a:endParaRPr kumimoji="1" lang="en-US" altLang="ja-JP" sz="1600" dirty="0"/>
+          </a:p>
+          <a:p>
+            <a:pPr lvl="1"/>
+            <a:r>
+              <a:rPr kumimoji="1" lang="ja-JP" altLang="en-US" sz="1600" dirty="0"/>
+              <a:t>特定の顔の特徴や背景を変化させたり、新しいスタイルの画像を生成したりすることができる</a:t>
+            </a:r>
+            <a:endParaRPr kumimoji="1" lang="en-US" altLang="ja-JP" sz="1600" dirty="0"/>
+          </a:p>
+          <a:p>
+            <a:r>
+              <a:rPr kumimoji="1" lang="en-US" altLang="ja-JP" sz="2000" dirty="0" err="1"/>
+              <a:t>BigGAN</a:t>
+            </a:r>
+            <a:endParaRPr lang="en-US" altLang="ja-JP" sz="2000" dirty="0"/>
+          </a:p>
+          <a:p>
+            <a:pPr lvl="1"/>
+            <a:r>
+              <a:rPr kumimoji="1" lang="ja-JP" altLang="en-US" sz="1600" dirty="0"/>
+              <a:t>大規模なデータセットを用いて学習することで、高品質かつ多様な画像を生成できるモデル</a:t>
+            </a:r>
+            <a:endParaRPr kumimoji="1" lang="en-US" altLang="ja-JP" sz="1600" dirty="0"/>
+          </a:p>
+          <a:p>
+            <a:pPr lvl="1"/>
+            <a:r>
+              <a:rPr kumimoji="1" lang="en-US" altLang="ja-JP" sz="1600" dirty="0"/>
+              <a:t>ImageNet</a:t>
+            </a:r>
+            <a:r>
+              <a:rPr kumimoji="1" lang="ja-JP" altLang="en-US" sz="1600" dirty="0"/>
+              <a:t>などの大規模な画像データセットを用いて学習することで、非常に高品質な画像を生成できる</a:t>
+            </a:r>
+            <a:endParaRPr kumimoji="1" lang="en-US" altLang="ja-JP" sz="1600" dirty="0"/>
+          </a:p>
+          <a:p>
+            <a:r>
+              <a:rPr kumimoji="1" lang="en-US" altLang="ja-JP" sz="2000" dirty="0"/>
+              <a:t>Progressive Growing GAN</a:t>
+            </a:r>
+            <a:endParaRPr lang="en-US" altLang="ja-JP" sz="2000" dirty="0"/>
+          </a:p>
+          <a:p>
+            <a:pPr lvl="1"/>
+            <a:r>
+              <a:rPr kumimoji="1" lang="ja-JP" altLang="en-US" sz="1600" dirty="0"/>
+              <a:t>低解像度の画像から始めて、徐々に高解像度の画像を生成できるように学習を進めるモデル</a:t>
+            </a:r>
+            <a:endParaRPr kumimoji="1" lang="en-US" altLang="ja-JP" sz="1600" dirty="0"/>
+          </a:p>
+          <a:p>
+            <a:pPr lvl="1"/>
+            <a:r>
+              <a:rPr kumimoji="1" lang="ja-JP" altLang="en-US" sz="1600" dirty="0"/>
+              <a:t>より効率的に高解像度の画像生成を実現できる</a:t>
+            </a:r>
           </a:p>
         </p:txBody>
       </p:sp>
     </p:spTree>
     <p:extLst>
       <p:ext uri="{BB962C8B-B14F-4D97-AF65-F5344CB8AC3E}">
-        <p14:creationId xmlns:p14="http://schemas.microsoft.com/office/powerpoint/2010/main" val="2143970289"/>
+        <p14:creationId xmlns:p14="http://schemas.microsoft.com/office/powerpoint/2010/main" val="1370721623"/>
       </p:ext>
     </p:extLst>
   </p:cSld>
@@ -9471,6 +9809,1424 @@
         </p:nvSpPr>
         <p:spPr/>
         <p:txBody>
+          <a:bodyPr/>
+          <a:lstStyle/>
+          <a:p>
+            <a:r>
+              <a:rPr lang="ja-JP" altLang="en-US" dirty="0"/>
+              <a:t>まずは</a:t>
+            </a:r>
+            <a:r>
+              <a:rPr lang="en-US" altLang="ja-JP" dirty="0"/>
+              <a:t>MNIST</a:t>
+            </a:r>
+            <a:r>
+              <a:rPr lang="ja-JP" altLang="en-US" dirty="0"/>
+              <a:t>で生成実験</a:t>
+            </a:r>
+            <a:endParaRPr kumimoji="1" lang="ja-JP" altLang="en-US" dirty="0"/>
+          </a:p>
+        </p:txBody>
+      </p:sp>
+      <p:pic>
+        <p:nvPicPr>
+          <p:cNvPr id="5" name="図 4">
+            <a:extLst>
+              <a:ext uri="{FF2B5EF4-FFF2-40B4-BE49-F238E27FC236}">
+                <a16:creationId xmlns:a16="http://schemas.microsoft.com/office/drawing/2014/main" id="{CAEE19FA-AD5E-6256-8A5A-5BCFE7DBD072}"/>
+              </a:ext>
+            </a:extLst>
+          </p:cNvPr>
+          <p:cNvPicPr>
+            <a:picLocks noChangeAspect="1"/>
+          </p:cNvPicPr>
+          <p:nvPr/>
+        </p:nvPicPr>
+        <p:blipFill>
+          <a:blip r:embed="rId2"/>
+          <a:stretch>
+            <a:fillRect/>
+          </a:stretch>
+        </p:blipFill>
+        <p:spPr>
+          <a:xfrm>
+            <a:off x="5035058" y="4305025"/>
+            <a:ext cx="2342449" cy="2323143"/>
+          </a:xfrm>
+          <a:prstGeom prst="rect">
+            <a:avLst/>
+          </a:prstGeom>
+        </p:spPr>
+      </p:pic>
+      <p:sp>
+        <p:nvSpPr>
+          <p:cNvPr id="6" name="コンテンツ プレースホルダー 2">
+            <a:extLst>
+              <a:ext uri="{FF2B5EF4-FFF2-40B4-BE49-F238E27FC236}">
+                <a16:creationId xmlns:a16="http://schemas.microsoft.com/office/drawing/2014/main" id="{E314C5B7-10FC-1EE2-242D-FF280CF9EA07}"/>
+              </a:ext>
+            </a:extLst>
+          </p:cNvPr>
+          <p:cNvSpPr txBox="1">
+            <a:spLocks/>
+          </p:cNvSpPr>
+          <p:nvPr/>
+        </p:nvSpPr>
+        <p:spPr>
+          <a:xfrm>
+            <a:off x="145475" y="1211224"/>
+            <a:ext cx="5694888" cy="2407047"/>
+          </a:xfrm>
+          <a:prstGeom prst="rect">
+            <a:avLst/>
+          </a:prstGeom>
+        </p:spPr>
+        <p:txBody>
+          <a:bodyPr vert="horz" lIns="91440" tIns="45720" rIns="91440" bIns="45720" rtlCol="0">
+            <a:normAutofit/>
+          </a:bodyPr>
+          <a:lstStyle>
+            <a:lvl1pPr marL="228600" indent="-228600" algn="l" defTabSz="914400" rtl="0" eaLnBrk="1" latinLnBrk="0" hangingPunct="1">
+              <a:lnSpc>
+                <a:spcPct val="90000"/>
+              </a:lnSpc>
+              <a:spcBef>
+                <a:spcPts val="1000"/>
+              </a:spcBef>
+              <a:buFont typeface="Arial" panose="020B0604020202020204" pitchFamily="34" charset="0"/>
+              <a:buChar char="•"/>
+              <a:defRPr kumimoji="1" sz="2800" kern="1200">
+                <a:solidFill>
+                  <a:schemeClr val="tx1"/>
+                </a:solidFill>
+                <a:latin typeface="+mn-lt"/>
+                <a:ea typeface="+mn-ea"/>
+                <a:cs typeface="+mn-cs"/>
+              </a:defRPr>
+            </a:lvl1pPr>
+            <a:lvl2pPr marL="685800" indent="-228600" algn="l" defTabSz="914400" rtl="0" eaLnBrk="1" latinLnBrk="0" hangingPunct="1">
+              <a:lnSpc>
+                <a:spcPct val="90000"/>
+              </a:lnSpc>
+              <a:spcBef>
+                <a:spcPts val="500"/>
+              </a:spcBef>
+              <a:buFont typeface="Arial" panose="020B0604020202020204" pitchFamily="34" charset="0"/>
+              <a:buChar char="•"/>
+              <a:defRPr kumimoji="1" sz="2400" kern="1200">
+                <a:solidFill>
+                  <a:schemeClr val="tx1"/>
+                </a:solidFill>
+                <a:latin typeface="+mn-lt"/>
+                <a:ea typeface="+mn-ea"/>
+                <a:cs typeface="+mn-cs"/>
+              </a:defRPr>
+            </a:lvl2pPr>
+            <a:lvl3pPr marL="1143000" indent="-228600" algn="l" defTabSz="914400" rtl="0" eaLnBrk="1" latinLnBrk="0" hangingPunct="1">
+              <a:lnSpc>
+                <a:spcPct val="90000"/>
+              </a:lnSpc>
+              <a:spcBef>
+                <a:spcPts val="500"/>
+              </a:spcBef>
+              <a:buFont typeface="Arial" panose="020B0604020202020204" pitchFamily="34" charset="0"/>
+              <a:buChar char="•"/>
+              <a:defRPr kumimoji="1" sz="2000" kern="1200">
+                <a:solidFill>
+                  <a:schemeClr val="tx1"/>
+                </a:solidFill>
+                <a:latin typeface="+mn-lt"/>
+                <a:ea typeface="+mn-ea"/>
+                <a:cs typeface="+mn-cs"/>
+              </a:defRPr>
+            </a:lvl3pPr>
+            <a:lvl4pPr marL="1600200" indent="-228600" algn="l" defTabSz="914400" rtl="0" eaLnBrk="1" latinLnBrk="0" hangingPunct="1">
+              <a:lnSpc>
+                <a:spcPct val="90000"/>
+              </a:lnSpc>
+              <a:spcBef>
+                <a:spcPts val="500"/>
+              </a:spcBef>
+              <a:buFont typeface="Arial" panose="020B0604020202020204" pitchFamily="34" charset="0"/>
+              <a:buChar char="•"/>
+              <a:defRPr kumimoji="1" sz="1800" kern="1200">
+                <a:solidFill>
+                  <a:schemeClr val="tx1"/>
+                </a:solidFill>
+                <a:latin typeface="+mn-lt"/>
+                <a:ea typeface="+mn-ea"/>
+                <a:cs typeface="+mn-cs"/>
+              </a:defRPr>
+            </a:lvl4pPr>
+            <a:lvl5pPr marL="2057400" indent="-228600" algn="l" defTabSz="914400" rtl="0" eaLnBrk="1" latinLnBrk="0" hangingPunct="1">
+              <a:lnSpc>
+                <a:spcPct val="90000"/>
+              </a:lnSpc>
+              <a:spcBef>
+                <a:spcPts val="500"/>
+              </a:spcBef>
+              <a:buFont typeface="Arial" panose="020B0604020202020204" pitchFamily="34" charset="0"/>
+              <a:buChar char="•"/>
+              <a:defRPr kumimoji="1" sz="1800" kern="1200">
+                <a:solidFill>
+                  <a:schemeClr val="tx1"/>
+                </a:solidFill>
+                <a:latin typeface="+mn-lt"/>
+                <a:ea typeface="+mn-ea"/>
+                <a:cs typeface="+mn-cs"/>
+              </a:defRPr>
+            </a:lvl5pPr>
+            <a:lvl6pPr marL="2514600" indent="-228600" algn="l" defTabSz="914400" rtl="0" eaLnBrk="1" latinLnBrk="0" hangingPunct="1">
+              <a:lnSpc>
+                <a:spcPct val="90000"/>
+              </a:lnSpc>
+              <a:spcBef>
+                <a:spcPts val="500"/>
+              </a:spcBef>
+              <a:buFont typeface="Arial" panose="020B0604020202020204" pitchFamily="34" charset="0"/>
+              <a:buChar char="•"/>
+              <a:defRPr kumimoji="1" sz="1800" kern="1200">
+                <a:solidFill>
+                  <a:schemeClr val="tx1"/>
+                </a:solidFill>
+                <a:latin typeface="+mn-lt"/>
+                <a:ea typeface="+mn-ea"/>
+                <a:cs typeface="+mn-cs"/>
+              </a:defRPr>
+            </a:lvl6pPr>
+            <a:lvl7pPr marL="2971800" indent="-228600" algn="l" defTabSz="914400" rtl="0" eaLnBrk="1" latinLnBrk="0" hangingPunct="1">
+              <a:lnSpc>
+                <a:spcPct val="90000"/>
+              </a:lnSpc>
+              <a:spcBef>
+                <a:spcPts val="500"/>
+              </a:spcBef>
+              <a:buFont typeface="Arial" panose="020B0604020202020204" pitchFamily="34" charset="0"/>
+              <a:buChar char="•"/>
+              <a:defRPr kumimoji="1" sz="1800" kern="1200">
+                <a:solidFill>
+                  <a:schemeClr val="tx1"/>
+                </a:solidFill>
+                <a:latin typeface="+mn-lt"/>
+                <a:ea typeface="+mn-ea"/>
+                <a:cs typeface="+mn-cs"/>
+              </a:defRPr>
+            </a:lvl7pPr>
+            <a:lvl8pPr marL="3429000" indent="-228600" algn="l" defTabSz="914400" rtl="0" eaLnBrk="1" latinLnBrk="0" hangingPunct="1">
+              <a:lnSpc>
+                <a:spcPct val="90000"/>
+              </a:lnSpc>
+              <a:spcBef>
+                <a:spcPts val="500"/>
+              </a:spcBef>
+              <a:buFont typeface="Arial" panose="020B0604020202020204" pitchFamily="34" charset="0"/>
+              <a:buChar char="•"/>
+              <a:defRPr kumimoji="1" sz="1800" kern="1200">
+                <a:solidFill>
+                  <a:schemeClr val="tx1"/>
+                </a:solidFill>
+                <a:latin typeface="+mn-lt"/>
+                <a:ea typeface="+mn-ea"/>
+                <a:cs typeface="+mn-cs"/>
+              </a:defRPr>
+            </a:lvl8pPr>
+            <a:lvl9pPr marL="3886200" indent="-228600" algn="l" defTabSz="914400" rtl="0" eaLnBrk="1" latinLnBrk="0" hangingPunct="1">
+              <a:lnSpc>
+                <a:spcPct val="90000"/>
+              </a:lnSpc>
+              <a:spcBef>
+                <a:spcPts val="500"/>
+              </a:spcBef>
+              <a:buFont typeface="Arial" panose="020B0604020202020204" pitchFamily="34" charset="0"/>
+              <a:buChar char="•"/>
+              <a:defRPr kumimoji="1" sz="1800" kern="1200">
+                <a:solidFill>
+                  <a:schemeClr val="tx1"/>
+                </a:solidFill>
+                <a:latin typeface="+mn-lt"/>
+                <a:ea typeface="+mn-ea"/>
+                <a:cs typeface="+mn-cs"/>
+              </a:defRPr>
+            </a:lvl9pPr>
+          </a:lstStyle>
+          <a:p>
+            <a:r>
+              <a:rPr lang="en-US" altLang="ja-JP" dirty="0"/>
+              <a:t>Generator</a:t>
+            </a:r>
+          </a:p>
+          <a:p>
+            <a:pPr lvl="1"/>
+            <a:r>
+              <a:rPr lang="ja-JP" altLang="en-US" dirty="0"/>
+              <a:t>インプット：</a:t>
+            </a:r>
+            <a:r>
+              <a:rPr lang="en-US" altLang="ja-JP" dirty="0"/>
+              <a:t>7×7</a:t>
+            </a:r>
+            <a:r>
+              <a:rPr lang="ja-JP" altLang="en-US" dirty="0"/>
+              <a:t>の正規乱数</a:t>
+            </a:r>
+            <a:endParaRPr lang="en-US" altLang="ja-JP" dirty="0"/>
+          </a:p>
+          <a:p>
+            <a:pPr lvl="1"/>
+            <a:endParaRPr lang="en-US" altLang="ja-JP" dirty="0"/>
+          </a:p>
+          <a:p>
+            <a:pPr lvl="1"/>
+            <a:r>
+              <a:rPr lang="ja-JP" altLang="en-US" dirty="0"/>
+              <a:t>２重畳み込み層と逆畳み込み層を交互に３層ずつ重ねる</a:t>
+            </a:r>
+            <a:endParaRPr lang="en-US" altLang="ja-JP" dirty="0"/>
+          </a:p>
+        </p:txBody>
+      </p:sp>
+      <p:sp>
+        <p:nvSpPr>
+          <p:cNvPr id="7" name="コンテンツ プレースホルダー 2">
+            <a:extLst>
+              <a:ext uri="{FF2B5EF4-FFF2-40B4-BE49-F238E27FC236}">
+                <a16:creationId xmlns:a16="http://schemas.microsoft.com/office/drawing/2014/main" id="{A37E6ECE-E05D-F28A-1978-6BB2A07B4AD5}"/>
+              </a:ext>
+            </a:extLst>
+          </p:cNvPr>
+          <p:cNvSpPr txBox="1">
+            <a:spLocks/>
+          </p:cNvSpPr>
+          <p:nvPr/>
+        </p:nvSpPr>
+        <p:spPr>
+          <a:xfrm>
+            <a:off x="6302478" y="1211224"/>
+            <a:ext cx="5517088" cy="3370608"/>
+          </a:xfrm>
+          <a:prstGeom prst="rect">
+            <a:avLst/>
+          </a:prstGeom>
+        </p:spPr>
+        <p:txBody>
+          <a:bodyPr vert="horz" lIns="91440" tIns="45720" rIns="91440" bIns="45720" rtlCol="0">
+            <a:normAutofit/>
+          </a:bodyPr>
+          <a:lstStyle>
+            <a:lvl1pPr marL="228600" indent="-228600" algn="l" defTabSz="914400" rtl="0" eaLnBrk="1" latinLnBrk="0" hangingPunct="1">
+              <a:lnSpc>
+                <a:spcPct val="90000"/>
+              </a:lnSpc>
+              <a:spcBef>
+                <a:spcPts val="1000"/>
+              </a:spcBef>
+              <a:buFont typeface="Arial" panose="020B0604020202020204" pitchFamily="34" charset="0"/>
+              <a:buChar char="•"/>
+              <a:defRPr kumimoji="1" sz="2800" kern="1200">
+                <a:solidFill>
+                  <a:schemeClr val="tx1"/>
+                </a:solidFill>
+                <a:latin typeface="+mn-lt"/>
+                <a:ea typeface="+mn-ea"/>
+                <a:cs typeface="+mn-cs"/>
+              </a:defRPr>
+            </a:lvl1pPr>
+            <a:lvl2pPr marL="685800" indent="-228600" algn="l" defTabSz="914400" rtl="0" eaLnBrk="1" latinLnBrk="0" hangingPunct="1">
+              <a:lnSpc>
+                <a:spcPct val="90000"/>
+              </a:lnSpc>
+              <a:spcBef>
+                <a:spcPts val="500"/>
+              </a:spcBef>
+              <a:buFont typeface="Arial" panose="020B0604020202020204" pitchFamily="34" charset="0"/>
+              <a:buChar char="•"/>
+              <a:defRPr kumimoji="1" sz="2400" kern="1200">
+                <a:solidFill>
+                  <a:schemeClr val="tx1"/>
+                </a:solidFill>
+                <a:latin typeface="+mn-lt"/>
+                <a:ea typeface="+mn-ea"/>
+                <a:cs typeface="+mn-cs"/>
+              </a:defRPr>
+            </a:lvl2pPr>
+            <a:lvl3pPr marL="1143000" indent="-228600" algn="l" defTabSz="914400" rtl="0" eaLnBrk="1" latinLnBrk="0" hangingPunct="1">
+              <a:lnSpc>
+                <a:spcPct val="90000"/>
+              </a:lnSpc>
+              <a:spcBef>
+                <a:spcPts val="500"/>
+              </a:spcBef>
+              <a:buFont typeface="Arial" panose="020B0604020202020204" pitchFamily="34" charset="0"/>
+              <a:buChar char="•"/>
+              <a:defRPr kumimoji="1" sz="2000" kern="1200">
+                <a:solidFill>
+                  <a:schemeClr val="tx1"/>
+                </a:solidFill>
+                <a:latin typeface="+mn-lt"/>
+                <a:ea typeface="+mn-ea"/>
+                <a:cs typeface="+mn-cs"/>
+              </a:defRPr>
+            </a:lvl3pPr>
+            <a:lvl4pPr marL="1600200" indent="-228600" algn="l" defTabSz="914400" rtl="0" eaLnBrk="1" latinLnBrk="0" hangingPunct="1">
+              <a:lnSpc>
+                <a:spcPct val="90000"/>
+              </a:lnSpc>
+              <a:spcBef>
+                <a:spcPts val="500"/>
+              </a:spcBef>
+              <a:buFont typeface="Arial" panose="020B0604020202020204" pitchFamily="34" charset="0"/>
+              <a:buChar char="•"/>
+              <a:defRPr kumimoji="1" sz="1800" kern="1200">
+                <a:solidFill>
+                  <a:schemeClr val="tx1"/>
+                </a:solidFill>
+                <a:latin typeface="+mn-lt"/>
+                <a:ea typeface="+mn-ea"/>
+                <a:cs typeface="+mn-cs"/>
+              </a:defRPr>
+            </a:lvl4pPr>
+            <a:lvl5pPr marL="2057400" indent="-228600" algn="l" defTabSz="914400" rtl="0" eaLnBrk="1" latinLnBrk="0" hangingPunct="1">
+              <a:lnSpc>
+                <a:spcPct val="90000"/>
+              </a:lnSpc>
+              <a:spcBef>
+                <a:spcPts val="500"/>
+              </a:spcBef>
+              <a:buFont typeface="Arial" panose="020B0604020202020204" pitchFamily="34" charset="0"/>
+              <a:buChar char="•"/>
+              <a:defRPr kumimoji="1" sz="1800" kern="1200">
+                <a:solidFill>
+                  <a:schemeClr val="tx1"/>
+                </a:solidFill>
+                <a:latin typeface="+mn-lt"/>
+                <a:ea typeface="+mn-ea"/>
+                <a:cs typeface="+mn-cs"/>
+              </a:defRPr>
+            </a:lvl5pPr>
+            <a:lvl6pPr marL="2514600" indent="-228600" algn="l" defTabSz="914400" rtl="0" eaLnBrk="1" latinLnBrk="0" hangingPunct="1">
+              <a:lnSpc>
+                <a:spcPct val="90000"/>
+              </a:lnSpc>
+              <a:spcBef>
+                <a:spcPts val="500"/>
+              </a:spcBef>
+              <a:buFont typeface="Arial" panose="020B0604020202020204" pitchFamily="34" charset="0"/>
+              <a:buChar char="•"/>
+              <a:defRPr kumimoji="1" sz="1800" kern="1200">
+                <a:solidFill>
+                  <a:schemeClr val="tx1"/>
+                </a:solidFill>
+                <a:latin typeface="+mn-lt"/>
+                <a:ea typeface="+mn-ea"/>
+                <a:cs typeface="+mn-cs"/>
+              </a:defRPr>
+            </a:lvl6pPr>
+            <a:lvl7pPr marL="2971800" indent="-228600" algn="l" defTabSz="914400" rtl="0" eaLnBrk="1" latinLnBrk="0" hangingPunct="1">
+              <a:lnSpc>
+                <a:spcPct val="90000"/>
+              </a:lnSpc>
+              <a:spcBef>
+                <a:spcPts val="500"/>
+              </a:spcBef>
+              <a:buFont typeface="Arial" panose="020B0604020202020204" pitchFamily="34" charset="0"/>
+              <a:buChar char="•"/>
+              <a:defRPr kumimoji="1" sz="1800" kern="1200">
+                <a:solidFill>
+                  <a:schemeClr val="tx1"/>
+                </a:solidFill>
+                <a:latin typeface="+mn-lt"/>
+                <a:ea typeface="+mn-ea"/>
+                <a:cs typeface="+mn-cs"/>
+              </a:defRPr>
+            </a:lvl7pPr>
+            <a:lvl8pPr marL="3429000" indent="-228600" algn="l" defTabSz="914400" rtl="0" eaLnBrk="1" latinLnBrk="0" hangingPunct="1">
+              <a:lnSpc>
+                <a:spcPct val="90000"/>
+              </a:lnSpc>
+              <a:spcBef>
+                <a:spcPts val="500"/>
+              </a:spcBef>
+              <a:buFont typeface="Arial" panose="020B0604020202020204" pitchFamily="34" charset="0"/>
+              <a:buChar char="•"/>
+              <a:defRPr kumimoji="1" sz="1800" kern="1200">
+                <a:solidFill>
+                  <a:schemeClr val="tx1"/>
+                </a:solidFill>
+                <a:latin typeface="+mn-lt"/>
+                <a:ea typeface="+mn-ea"/>
+                <a:cs typeface="+mn-cs"/>
+              </a:defRPr>
+            </a:lvl8pPr>
+            <a:lvl9pPr marL="3886200" indent="-228600" algn="l" defTabSz="914400" rtl="0" eaLnBrk="1" latinLnBrk="0" hangingPunct="1">
+              <a:lnSpc>
+                <a:spcPct val="90000"/>
+              </a:lnSpc>
+              <a:spcBef>
+                <a:spcPts val="500"/>
+              </a:spcBef>
+              <a:buFont typeface="Arial" panose="020B0604020202020204" pitchFamily="34" charset="0"/>
+              <a:buChar char="•"/>
+              <a:defRPr kumimoji="1" sz="1800" kern="1200">
+                <a:solidFill>
+                  <a:schemeClr val="tx1"/>
+                </a:solidFill>
+                <a:latin typeface="+mn-lt"/>
+                <a:ea typeface="+mn-ea"/>
+                <a:cs typeface="+mn-cs"/>
+              </a:defRPr>
+            </a:lvl9pPr>
+          </a:lstStyle>
+          <a:p>
+            <a:r>
+              <a:rPr lang="en-US" altLang="ja-JP" dirty="0"/>
+              <a:t>Discriminator</a:t>
+            </a:r>
+          </a:p>
+          <a:p>
+            <a:pPr lvl="1"/>
+            <a:r>
+              <a:rPr lang="ja-JP" altLang="en-US" dirty="0"/>
+              <a:t>畳み込み層とプーリング層を交互に３層ずつ重ねる</a:t>
+            </a:r>
+            <a:endParaRPr lang="en-US" altLang="ja-JP" dirty="0"/>
+          </a:p>
+          <a:p>
+            <a:pPr lvl="1"/>
+            <a:endParaRPr lang="en-US" altLang="ja-JP" dirty="0"/>
+          </a:p>
+          <a:p>
+            <a:pPr lvl="1"/>
+            <a:r>
+              <a:rPr lang="ja-JP" altLang="en-US" dirty="0"/>
+              <a:t>最後に全結合層を２層追加</a:t>
+            </a:r>
+            <a:endParaRPr lang="en-US" altLang="ja-JP" dirty="0"/>
+          </a:p>
+        </p:txBody>
+      </p:sp>
+    </p:spTree>
+    <p:extLst>
+      <p:ext uri="{BB962C8B-B14F-4D97-AF65-F5344CB8AC3E}">
+        <p14:creationId xmlns:p14="http://schemas.microsoft.com/office/powerpoint/2010/main" val="4199638263"/>
+      </p:ext>
+    </p:extLst>
+  </p:cSld>
+  <p:clrMapOvr>
+    <a:masterClrMapping/>
+  </p:clrMapOvr>
+</p:sld>
+</file>
+
+<file path=ppt/slides/slide12.xml><?xml version="1.0" encoding="utf-8"?>
+<p:sld xmlns:a="http://schemas.openxmlformats.org/drawingml/2006/main" xmlns:r="http://schemas.openxmlformats.org/officeDocument/2006/relationships" xmlns:p="http://schemas.openxmlformats.org/presentationml/2006/main">
+  <p:cSld>
+    <p:spTree>
+      <p:nvGrpSpPr>
+        <p:cNvPr id="1" name=""/>
+        <p:cNvGrpSpPr/>
+        <p:nvPr/>
+      </p:nvGrpSpPr>
+      <p:grpSpPr>
+        <a:xfrm>
+          <a:off x="0" y="0"/>
+          <a:ext cx="0" cy="0"/>
+          <a:chOff x="0" y="0"/>
+          <a:chExt cx="0" cy="0"/>
+        </a:xfrm>
+      </p:grpSpPr>
+      <p:sp>
+        <p:nvSpPr>
+          <p:cNvPr id="2" name="タイトル 1">
+            <a:extLst>
+              <a:ext uri="{FF2B5EF4-FFF2-40B4-BE49-F238E27FC236}">
+                <a16:creationId xmlns:a16="http://schemas.microsoft.com/office/drawing/2014/main" id="{F1068B51-687A-771B-1EE0-B594EFA1889A}"/>
+              </a:ext>
+            </a:extLst>
+          </p:cNvPr>
+          <p:cNvSpPr>
+            <a:spLocks noGrp="1"/>
+          </p:cNvSpPr>
+          <p:nvPr>
+            <p:ph type="title"/>
+          </p:nvPr>
+        </p:nvSpPr>
+        <p:spPr/>
+        <p:txBody>
+          <a:bodyPr/>
+          <a:lstStyle/>
+          <a:p>
+            <a:r>
+              <a:rPr lang="ja-JP" altLang="en-US" dirty="0"/>
+              <a:t>まずは</a:t>
+            </a:r>
+            <a:r>
+              <a:rPr lang="en-US" altLang="ja-JP" dirty="0"/>
+              <a:t>MNIST</a:t>
+            </a:r>
+            <a:r>
+              <a:rPr lang="ja-JP" altLang="en-US" dirty="0"/>
+              <a:t>で生成実験</a:t>
+            </a:r>
+            <a:endParaRPr kumimoji="1" lang="ja-JP" altLang="en-US" dirty="0"/>
+          </a:p>
+        </p:txBody>
+      </p:sp>
+      <p:pic>
+        <p:nvPicPr>
+          <p:cNvPr id="6" name="図 5">
+            <a:extLst>
+              <a:ext uri="{FF2B5EF4-FFF2-40B4-BE49-F238E27FC236}">
+                <a16:creationId xmlns:a16="http://schemas.microsoft.com/office/drawing/2014/main" id="{E5A5AD9F-6A67-0EF4-6FD3-DE1325F46059}"/>
+              </a:ext>
+            </a:extLst>
+          </p:cNvPr>
+          <p:cNvPicPr>
+            <a:picLocks noChangeAspect="1"/>
+          </p:cNvPicPr>
+          <p:nvPr/>
+        </p:nvPicPr>
+        <p:blipFill>
+          <a:blip r:embed="rId2"/>
+          <a:stretch>
+            <a:fillRect/>
+          </a:stretch>
+        </p:blipFill>
+        <p:spPr>
+          <a:xfrm>
+            <a:off x="653302" y="2260979"/>
+            <a:ext cx="5353797" cy="4105848"/>
+          </a:xfrm>
+          <a:prstGeom prst="rect">
+            <a:avLst/>
+          </a:prstGeom>
+        </p:spPr>
+      </p:pic>
+      <p:pic>
+        <p:nvPicPr>
+          <p:cNvPr id="8" name="図 7">
+            <a:extLst>
+              <a:ext uri="{FF2B5EF4-FFF2-40B4-BE49-F238E27FC236}">
+                <a16:creationId xmlns:a16="http://schemas.microsoft.com/office/drawing/2014/main" id="{1D369EE6-8D69-A211-6168-94FABD900CE1}"/>
+              </a:ext>
+            </a:extLst>
+          </p:cNvPr>
+          <p:cNvPicPr>
+            <a:picLocks noChangeAspect="1"/>
+          </p:cNvPicPr>
+          <p:nvPr/>
+        </p:nvPicPr>
+        <p:blipFill>
+          <a:blip r:embed="rId3"/>
+          <a:stretch>
+            <a:fillRect/>
+          </a:stretch>
+        </p:blipFill>
+        <p:spPr>
+          <a:xfrm>
+            <a:off x="6096000" y="2260979"/>
+            <a:ext cx="5449060" cy="4134427"/>
+          </a:xfrm>
+          <a:prstGeom prst="rect">
+            <a:avLst/>
+          </a:prstGeom>
+        </p:spPr>
+      </p:pic>
+      <p:sp>
+        <p:nvSpPr>
+          <p:cNvPr id="9" name="テキスト ボックス 8">
+            <a:extLst>
+              <a:ext uri="{FF2B5EF4-FFF2-40B4-BE49-F238E27FC236}">
+                <a16:creationId xmlns:a16="http://schemas.microsoft.com/office/drawing/2014/main" id="{52D509A8-B114-CEF3-57AD-E50558B4EF80}"/>
+              </a:ext>
+            </a:extLst>
+          </p:cNvPr>
+          <p:cNvSpPr txBox="1"/>
+          <p:nvPr/>
+        </p:nvSpPr>
+        <p:spPr>
+          <a:xfrm>
+            <a:off x="1430512" y="1645561"/>
+            <a:ext cx="4055889" cy="369332"/>
+          </a:xfrm>
+          <a:prstGeom prst="rect">
+            <a:avLst/>
+          </a:prstGeom>
+          <a:noFill/>
+        </p:spPr>
+        <p:txBody>
+          <a:bodyPr wrap="square" rtlCol="0">
+            <a:spAutoFit/>
+          </a:bodyPr>
+          <a:lstStyle/>
+          <a:p>
+            <a:pPr algn="ctr"/>
+            <a:r>
+              <a:rPr lang="ja-JP" altLang="en-US" dirty="0"/>
+              <a:t>ディスクリミネーターのロス推移</a:t>
+            </a:r>
+            <a:endParaRPr kumimoji="1" lang="ja-JP" altLang="en-US" dirty="0"/>
+          </a:p>
+        </p:txBody>
+      </p:sp>
+      <p:sp>
+        <p:nvSpPr>
+          <p:cNvPr id="10" name="テキスト ボックス 9">
+            <a:extLst>
+              <a:ext uri="{FF2B5EF4-FFF2-40B4-BE49-F238E27FC236}">
+                <a16:creationId xmlns:a16="http://schemas.microsoft.com/office/drawing/2014/main" id="{3DBB0C2E-55C1-BCB8-08B3-11EE577D7644}"/>
+              </a:ext>
+            </a:extLst>
+          </p:cNvPr>
+          <p:cNvSpPr txBox="1"/>
+          <p:nvPr/>
+        </p:nvSpPr>
+        <p:spPr>
+          <a:xfrm>
+            <a:off x="6990653" y="1654673"/>
+            <a:ext cx="4055889" cy="369332"/>
+          </a:xfrm>
+          <a:prstGeom prst="rect">
+            <a:avLst/>
+          </a:prstGeom>
+          <a:noFill/>
+        </p:spPr>
+        <p:txBody>
+          <a:bodyPr wrap="square" rtlCol="0">
+            <a:spAutoFit/>
+          </a:bodyPr>
+          <a:lstStyle/>
+          <a:p>
+            <a:pPr algn="ctr"/>
+            <a:r>
+              <a:rPr lang="ja-JP" altLang="en-US" dirty="0"/>
+              <a:t>ジェネレーターのロス推移</a:t>
+            </a:r>
+            <a:endParaRPr kumimoji="1" lang="ja-JP" altLang="en-US" dirty="0"/>
+          </a:p>
+        </p:txBody>
+      </p:sp>
+    </p:spTree>
+    <p:extLst>
+      <p:ext uri="{BB962C8B-B14F-4D97-AF65-F5344CB8AC3E}">
+        <p14:creationId xmlns:p14="http://schemas.microsoft.com/office/powerpoint/2010/main" val="2656998296"/>
+      </p:ext>
+    </p:extLst>
+  </p:cSld>
+  <p:clrMapOvr>
+    <a:masterClrMapping/>
+  </p:clrMapOvr>
+</p:sld>
+</file>
+
+<file path=ppt/slides/slide13.xml><?xml version="1.0" encoding="utf-8"?>
+<p:sld xmlns:a="http://schemas.openxmlformats.org/drawingml/2006/main" xmlns:r="http://schemas.openxmlformats.org/officeDocument/2006/relationships" xmlns:p="http://schemas.openxmlformats.org/presentationml/2006/main">
+  <p:cSld>
+    <p:spTree>
+      <p:nvGrpSpPr>
+        <p:cNvPr id="1" name=""/>
+        <p:cNvGrpSpPr/>
+        <p:nvPr/>
+      </p:nvGrpSpPr>
+      <p:grpSpPr>
+        <a:xfrm>
+          <a:off x="0" y="0"/>
+          <a:ext cx="0" cy="0"/>
+          <a:chOff x="0" y="0"/>
+          <a:chExt cx="0" cy="0"/>
+        </a:xfrm>
+      </p:grpSpPr>
+      <p:sp>
+        <p:nvSpPr>
+          <p:cNvPr id="2" name="タイトル 1">
+            <a:extLst>
+              <a:ext uri="{FF2B5EF4-FFF2-40B4-BE49-F238E27FC236}">
+                <a16:creationId xmlns:a16="http://schemas.microsoft.com/office/drawing/2014/main" id="{F1068B51-687A-771B-1EE0-B594EFA1889A}"/>
+              </a:ext>
+            </a:extLst>
+          </p:cNvPr>
+          <p:cNvSpPr>
+            <a:spLocks noGrp="1"/>
+          </p:cNvSpPr>
+          <p:nvPr>
+            <p:ph type="title"/>
+          </p:nvPr>
+        </p:nvSpPr>
+        <p:spPr/>
+        <p:txBody>
+          <a:bodyPr/>
+          <a:lstStyle/>
+          <a:p>
+            <a:r>
+              <a:rPr lang="ja-JP" altLang="en-US" dirty="0"/>
+              <a:t>まずは</a:t>
+            </a:r>
+            <a:r>
+              <a:rPr lang="en-US" altLang="ja-JP" dirty="0"/>
+              <a:t>MNIST</a:t>
+            </a:r>
+            <a:r>
+              <a:rPr lang="ja-JP" altLang="en-US" dirty="0"/>
+              <a:t>で生成実験</a:t>
+            </a:r>
+            <a:endParaRPr kumimoji="1" lang="ja-JP" altLang="en-US" dirty="0"/>
+          </a:p>
+        </p:txBody>
+      </p:sp>
+      <p:sp>
+        <p:nvSpPr>
+          <p:cNvPr id="9" name="テキスト ボックス 8">
+            <a:extLst>
+              <a:ext uri="{FF2B5EF4-FFF2-40B4-BE49-F238E27FC236}">
+                <a16:creationId xmlns:a16="http://schemas.microsoft.com/office/drawing/2014/main" id="{52D509A8-B114-CEF3-57AD-E50558B4EF80}"/>
+              </a:ext>
+            </a:extLst>
+          </p:cNvPr>
+          <p:cNvSpPr txBox="1"/>
+          <p:nvPr/>
+        </p:nvSpPr>
+        <p:spPr>
+          <a:xfrm>
+            <a:off x="3033170" y="1471795"/>
+            <a:ext cx="5363578" cy="369332"/>
+          </a:xfrm>
+          <a:prstGeom prst="rect">
+            <a:avLst/>
+          </a:prstGeom>
+          <a:noFill/>
+        </p:spPr>
+        <p:txBody>
+          <a:bodyPr wrap="square" rtlCol="0">
+            <a:spAutoFit/>
+          </a:bodyPr>
+          <a:lstStyle/>
+          <a:p>
+            <a:pPr algn="ctr"/>
+            <a:r>
+              <a:rPr kumimoji="1" lang="en-US" altLang="ja-JP" dirty="0"/>
+              <a:t>5epoch</a:t>
+            </a:r>
+            <a:r>
+              <a:rPr kumimoji="1" lang="ja-JP" altLang="en-US" dirty="0"/>
+              <a:t>学習した時点でのジェネレーターの出力</a:t>
+            </a:r>
+          </a:p>
+        </p:txBody>
+      </p:sp>
+      <p:pic>
+        <p:nvPicPr>
+          <p:cNvPr id="4" name="図 3">
+            <a:extLst>
+              <a:ext uri="{FF2B5EF4-FFF2-40B4-BE49-F238E27FC236}">
+                <a16:creationId xmlns:a16="http://schemas.microsoft.com/office/drawing/2014/main" id="{60E69BF0-ECD2-D89F-0645-6CCD9972B202}"/>
+              </a:ext>
+            </a:extLst>
+          </p:cNvPr>
+          <p:cNvPicPr>
+            <a:picLocks noChangeAspect="1"/>
+          </p:cNvPicPr>
+          <p:nvPr/>
+        </p:nvPicPr>
+        <p:blipFill>
+          <a:blip r:embed="rId2"/>
+          <a:stretch>
+            <a:fillRect/>
+          </a:stretch>
+        </p:blipFill>
+        <p:spPr>
+          <a:xfrm>
+            <a:off x="741881" y="2152049"/>
+            <a:ext cx="10708237" cy="2278600"/>
+          </a:xfrm>
+          <a:prstGeom prst="rect">
+            <a:avLst/>
+          </a:prstGeom>
+        </p:spPr>
+      </p:pic>
+      <p:sp>
+        <p:nvSpPr>
+          <p:cNvPr id="5" name="テキスト ボックス 4">
+            <a:extLst>
+              <a:ext uri="{FF2B5EF4-FFF2-40B4-BE49-F238E27FC236}">
+                <a16:creationId xmlns:a16="http://schemas.microsoft.com/office/drawing/2014/main" id="{CB6D4BE4-449D-E13B-6CC7-5D63F3B6F7AF}"/>
+              </a:ext>
+            </a:extLst>
+          </p:cNvPr>
+          <p:cNvSpPr txBox="1"/>
+          <p:nvPr/>
+        </p:nvSpPr>
+        <p:spPr>
+          <a:xfrm>
+            <a:off x="2851272" y="5832402"/>
+            <a:ext cx="5363578" cy="369332"/>
+          </a:xfrm>
+          <a:prstGeom prst="rect">
+            <a:avLst/>
+          </a:prstGeom>
+          <a:noFill/>
+        </p:spPr>
+        <p:txBody>
+          <a:bodyPr wrap="square" rtlCol="0">
+            <a:spAutoFit/>
+          </a:bodyPr>
+          <a:lstStyle/>
+          <a:p>
+            <a:pPr algn="ctr"/>
+            <a:r>
+              <a:rPr kumimoji="1" lang="en-US" altLang="ja-JP" dirty="0"/>
+              <a:t>※</a:t>
+            </a:r>
+            <a:r>
+              <a:rPr kumimoji="1" lang="ja-JP" altLang="en-US" dirty="0"/>
+              <a:t>実行時間：</a:t>
+            </a:r>
+            <a:r>
+              <a:rPr kumimoji="1" lang="en-US" altLang="ja-JP" dirty="0"/>
+              <a:t>Google </a:t>
+            </a:r>
+            <a:r>
+              <a:rPr kumimoji="1" lang="en-US" altLang="ja-JP" dirty="0" err="1"/>
+              <a:t>Colab</a:t>
+            </a:r>
+            <a:r>
+              <a:rPr kumimoji="1" lang="ja-JP" altLang="en-US" dirty="0"/>
+              <a:t>の</a:t>
+            </a:r>
+            <a:r>
+              <a:rPr kumimoji="1" lang="en-US" altLang="ja-JP" dirty="0"/>
+              <a:t>GPU</a:t>
+            </a:r>
+            <a:r>
+              <a:rPr kumimoji="1" lang="ja-JP" altLang="en-US" dirty="0"/>
+              <a:t>で</a:t>
+            </a:r>
+            <a:r>
+              <a:rPr kumimoji="1" lang="en-US" altLang="ja-JP" dirty="0"/>
+              <a:t>15</a:t>
+            </a:r>
+            <a:r>
+              <a:rPr kumimoji="1" lang="ja-JP" altLang="en-US" dirty="0"/>
+              <a:t>分程度</a:t>
+            </a:r>
+          </a:p>
+        </p:txBody>
+      </p:sp>
+    </p:spTree>
+    <p:extLst>
+      <p:ext uri="{BB962C8B-B14F-4D97-AF65-F5344CB8AC3E}">
+        <p14:creationId xmlns:p14="http://schemas.microsoft.com/office/powerpoint/2010/main" val="2548050738"/>
+      </p:ext>
+    </p:extLst>
+  </p:cSld>
+  <p:clrMapOvr>
+    <a:masterClrMapping/>
+  </p:clrMapOvr>
+</p:sld>
+</file>
+
+<file path=ppt/slides/slide14.xml><?xml version="1.0" encoding="utf-8"?>
+<p:sld xmlns:a="http://schemas.openxmlformats.org/drawingml/2006/main" xmlns:r="http://schemas.openxmlformats.org/officeDocument/2006/relationships" xmlns:p="http://schemas.openxmlformats.org/presentationml/2006/main">
+  <p:cSld>
+    <p:spTree>
+      <p:nvGrpSpPr>
+        <p:cNvPr id="1" name=""/>
+        <p:cNvGrpSpPr/>
+        <p:nvPr/>
+      </p:nvGrpSpPr>
+      <p:grpSpPr>
+        <a:xfrm>
+          <a:off x="0" y="0"/>
+          <a:ext cx="0" cy="0"/>
+          <a:chOff x="0" y="0"/>
+          <a:chExt cx="0" cy="0"/>
+        </a:xfrm>
+      </p:grpSpPr>
+      <p:sp>
+        <p:nvSpPr>
+          <p:cNvPr id="2" name="タイトル 1">
+            <a:extLst>
+              <a:ext uri="{FF2B5EF4-FFF2-40B4-BE49-F238E27FC236}">
+                <a16:creationId xmlns:a16="http://schemas.microsoft.com/office/drawing/2014/main" id="{F1068B51-687A-771B-1EE0-B594EFA1889A}"/>
+              </a:ext>
+            </a:extLst>
+          </p:cNvPr>
+          <p:cNvSpPr>
+            <a:spLocks noGrp="1"/>
+          </p:cNvSpPr>
+          <p:nvPr>
+            <p:ph type="title"/>
+          </p:nvPr>
+        </p:nvSpPr>
+        <p:spPr/>
+        <p:txBody>
+          <a:bodyPr/>
+          <a:lstStyle/>
+          <a:p>
+            <a:r>
+              <a:rPr lang="ja-JP" altLang="en-US" dirty="0"/>
+              <a:t>簡単なデータで生成実験</a:t>
+            </a:r>
+            <a:endParaRPr kumimoji="1" lang="ja-JP" altLang="en-US" dirty="0"/>
+          </a:p>
+        </p:txBody>
+      </p:sp>
+      <p:sp>
+        <p:nvSpPr>
+          <p:cNvPr id="3" name="コンテンツ プレースホルダー 2">
+            <a:extLst>
+              <a:ext uri="{FF2B5EF4-FFF2-40B4-BE49-F238E27FC236}">
+                <a16:creationId xmlns:a16="http://schemas.microsoft.com/office/drawing/2014/main" id="{3BEA36E0-6B97-A042-21D7-427F974055F0}"/>
+              </a:ext>
+            </a:extLst>
+          </p:cNvPr>
+          <p:cNvSpPr>
+            <a:spLocks noGrp="1"/>
+          </p:cNvSpPr>
+          <p:nvPr>
+            <p:ph idx="1"/>
+          </p:nvPr>
+        </p:nvSpPr>
+        <p:spPr>
+          <a:xfrm>
+            <a:off x="145473" y="1044407"/>
+            <a:ext cx="11723253" cy="5147830"/>
+          </a:xfrm>
+        </p:spPr>
+        <p:txBody>
+          <a:bodyPr/>
+          <a:lstStyle/>
+          <a:p>
+            <a:r>
+              <a:rPr kumimoji="1" lang="ja-JP" altLang="en-US" dirty="0"/>
+              <a:t>サインカーブ（長さ</a:t>
+            </a:r>
+            <a:r>
+              <a:rPr kumimoji="1" lang="en-US" altLang="ja-JP" dirty="0"/>
+              <a:t>50</a:t>
+            </a:r>
+            <a:r>
+              <a:rPr kumimoji="1" lang="ja-JP" altLang="en-US" dirty="0"/>
+              <a:t>：位相も変えず）を訓練データとして実施</a:t>
+            </a:r>
+            <a:endParaRPr kumimoji="1" lang="en-US" altLang="ja-JP" dirty="0"/>
+          </a:p>
+          <a:p>
+            <a:pPr lvl="1"/>
+            <a:r>
+              <a:rPr lang="ja-JP" altLang="en-US" dirty="0"/>
+              <a:t>つまりサインカーブ</a:t>
+            </a:r>
+            <a:r>
+              <a:rPr kumimoji="1" lang="en-US" altLang="ja-JP" dirty="0"/>
+              <a:t>Generator</a:t>
+            </a:r>
+            <a:r>
+              <a:rPr kumimoji="1" lang="ja-JP" altLang="en-US" dirty="0"/>
+              <a:t>を作れるか</a:t>
+            </a:r>
+            <a:endParaRPr kumimoji="1" lang="en-US" altLang="ja-JP" dirty="0"/>
+          </a:p>
+        </p:txBody>
+      </p:sp>
+      <p:pic>
+        <p:nvPicPr>
+          <p:cNvPr id="1028" name="Picture 4">
+            <a:extLst>
+              <a:ext uri="{FF2B5EF4-FFF2-40B4-BE49-F238E27FC236}">
+                <a16:creationId xmlns:a16="http://schemas.microsoft.com/office/drawing/2014/main" id="{CD7E1275-F2A8-A2E7-A9F5-275434192D30}"/>
+              </a:ext>
+            </a:extLst>
+          </p:cNvPr>
+          <p:cNvPicPr>
+            <a:picLocks noChangeAspect="1" noChangeArrowheads="1"/>
+          </p:cNvPicPr>
+          <p:nvPr/>
+        </p:nvPicPr>
+        <p:blipFill>
+          <a:blip r:embed="rId2">
+            <a:extLst>
+              <a:ext uri="{28A0092B-C50C-407E-A947-70E740481C1C}">
+                <a14:useLocalDpi xmlns:a14="http://schemas.microsoft.com/office/drawing/2010/main" val="0"/>
+              </a:ext>
+            </a:extLst>
+          </a:blip>
+          <a:srcRect/>
+          <a:stretch>
+            <a:fillRect/>
+          </a:stretch>
+        </p:blipFill>
+        <p:spPr bwMode="auto">
+          <a:xfrm>
+            <a:off x="2800965" y="2346902"/>
+            <a:ext cx="5684274" cy="4133108"/>
+          </a:xfrm>
+          <a:prstGeom prst="rect">
+            <a:avLst/>
+          </a:prstGeom>
+          <a:noFill/>
+          <a:extLst>
+            <a:ext uri="{909E8E84-426E-40DD-AFC4-6F175D3DCCD1}">
+              <a14:hiddenFill xmlns:a14="http://schemas.microsoft.com/office/drawing/2010/main">
+                <a:solidFill>
+                  <a:srgbClr val="FFFFFF"/>
+                </a:solidFill>
+              </a14:hiddenFill>
+            </a:ext>
+          </a:extLst>
+        </p:spPr>
+      </p:pic>
+    </p:spTree>
+    <p:extLst>
+      <p:ext uri="{BB962C8B-B14F-4D97-AF65-F5344CB8AC3E}">
+        <p14:creationId xmlns:p14="http://schemas.microsoft.com/office/powerpoint/2010/main" val="3952688904"/>
+      </p:ext>
+    </p:extLst>
+  </p:cSld>
+  <p:clrMapOvr>
+    <a:masterClrMapping/>
+  </p:clrMapOvr>
+</p:sld>
+</file>
+
+<file path=ppt/slides/slide15.xml><?xml version="1.0" encoding="utf-8"?>
+<p:sld xmlns:a="http://schemas.openxmlformats.org/drawingml/2006/main" xmlns:r="http://schemas.openxmlformats.org/officeDocument/2006/relationships" xmlns:p="http://schemas.openxmlformats.org/presentationml/2006/main">
+  <p:cSld>
+    <p:spTree>
+      <p:nvGrpSpPr>
+        <p:cNvPr id="1" name=""/>
+        <p:cNvGrpSpPr/>
+        <p:nvPr/>
+      </p:nvGrpSpPr>
+      <p:grpSpPr>
+        <a:xfrm>
+          <a:off x="0" y="0"/>
+          <a:ext cx="0" cy="0"/>
+          <a:chOff x="0" y="0"/>
+          <a:chExt cx="0" cy="0"/>
+        </a:xfrm>
+      </p:grpSpPr>
+      <p:sp>
+        <p:nvSpPr>
+          <p:cNvPr id="2" name="タイトル 1">
+            <a:extLst>
+              <a:ext uri="{FF2B5EF4-FFF2-40B4-BE49-F238E27FC236}">
+                <a16:creationId xmlns:a16="http://schemas.microsoft.com/office/drawing/2014/main" id="{F1068B51-687A-771B-1EE0-B594EFA1889A}"/>
+              </a:ext>
+            </a:extLst>
+          </p:cNvPr>
+          <p:cNvSpPr>
+            <a:spLocks noGrp="1"/>
+          </p:cNvSpPr>
+          <p:nvPr>
+            <p:ph type="title"/>
+          </p:nvPr>
+        </p:nvSpPr>
+        <p:spPr/>
+        <p:txBody>
+          <a:bodyPr/>
+          <a:lstStyle/>
+          <a:p>
+            <a:r>
+              <a:rPr lang="ja-JP" altLang="en-US" dirty="0"/>
+              <a:t>簡単なデータで生成実験（</a:t>
+            </a:r>
+            <a:r>
+              <a:rPr lang="en-US" altLang="ja-JP" dirty="0"/>
+              <a:t>Generator</a:t>
+            </a:r>
+            <a:r>
+              <a:rPr lang="ja-JP" altLang="en-US" dirty="0"/>
+              <a:t>）</a:t>
+            </a:r>
+            <a:endParaRPr kumimoji="1" lang="ja-JP" altLang="en-US" dirty="0"/>
+          </a:p>
+        </p:txBody>
+      </p:sp>
+      <p:sp>
+        <p:nvSpPr>
+          <p:cNvPr id="3" name="コンテンツ プレースホルダー 2">
+            <a:extLst>
+              <a:ext uri="{FF2B5EF4-FFF2-40B4-BE49-F238E27FC236}">
+                <a16:creationId xmlns:a16="http://schemas.microsoft.com/office/drawing/2014/main" id="{3BEA36E0-6B97-A042-21D7-427F974055F0}"/>
+              </a:ext>
+            </a:extLst>
+          </p:cNvPr>
+          <p:cNvSpPr>
+            <a:spLocks noGrp="1"/>
+          </p:cNvSpPr>
+          <p:nvPr>
+            <p:ph idx="1"/>
+          </p:nvPr>
+        </p:nvSpPr>
+        <p:spPr>
+          <a:xfrm>
+            <a:off x="145473" y="948909"/>
+            <a:ext cx="11723253" cy="5147830"/>
+          </a:xfrm>
+        </p:spPr>
+        <p:txBody>
+          <a:bodyPr/>
+          <a:lstStyle/>
+          <a:p>
+            <a:r>
+              <a:rPr lang="en-US" altLang="ja-JP" dirty="0"/>
+              <a:t>Generator</a:t>
+            </a:r>
+          </a:p>
+          <a:p>
+            <a:pPr lvl="1"/>
+            <a:r>
+              <a:rPr kumimoji="1" lang="ja-JP" altLang="en-US" dirty="0"/>
+              <a:t>インプット：</a:t>
+            </a:r>
+            <a:r>
+              <a:rPr kumimoji="1" lang="en-US" altLang="ja-JP" dirty="0"/>
+              <a:t>100</a:t>
+            </a:r>
+            <a:r>
+              <a:rPr kumimoji="1" lang="ja-JP" altLang="en-US" dirty="0"/>
+              <a:t>次元の正規乱数（ランダムベクトル）</a:t>
+            </a:r>
+            <a:endParaRPr kumimoji="1" lang="en-US" altLang="ja-JP" dirty="0"/>
+          </a:p>
+          <a:p>
+            <a:pPr lvl="1"/>
+            <a:endParaRPr kumimoji="1" lang="en-US" altLang="ja-JP" dirty="0"/>
+          </a:p>
+          <a:p>
+            <a:pPr lvl="1"/>
+            <a:r>
+              <a:rPr lang="ja-JP" altLang="en-US" dirty="0"/>
+              <a:t>全結合層①　</a:t>
+            </a:r>
+            <a:r>
+              <a:rPr lang="en-US" altLang="ja-JP" dirty="0"/>
+              <a:t>100</a:t>
+            </a:r>
+            <a:r>
+              <a:rPr lang="ja-JP" altLang="en-US" dirty="0"/>
+              <a:t>次元⇒</a:t>
+            </a:r>
+            <a:r>
+              <a:rPr lang="en-US" altLang="ja-JP" dirty="0"/>
+              <a:t>100</a:t>
+            </a:r>
+            <a:r>
+              <a:rPr lang="ja-JP" altLang="en-US" dirty="0"/>
+              <a:t>次元</a:t>
+            </a:r>
+            <a:endParaRPr lang="en-US" altLang="ja-JP" dirty="0"/>
+          </a:p>
+          <a:p>
+            <a:pPr lvl="2"/>
+            <a:r>
+              <a:rPr kumimoji="1" lang="ja-JP" altLang="en-US" sz="2400" dirty="0"/>
+              <a:t>活性化関数　</a:t>
+            </a:r>
+            <a:r>
+              <a:rPr kumimoji="1" lang="en-US" altLang="ja-JP" sz="2400" dirty="0" err="1"/>
+              <a:t>LeakyRelu</a:t>
+            </a:r>
+            <a:r>
+              <a:rPr kumimoji="1" lang="ja-JP" altLang="en-US" sz="2400" dirty="0"/>
+              <a:t>（</a:t>
+            </a:r>
+            <a:r>
+              <a:rPr kumimoji="1" lang="en-US" altLang="ja-JP" sz="2400" dirty="0"/>
+              <a:t>alpha=0.2</a:t>
+            </a:r>
+            <a:r>
+              <a:rPr kumimoji="1" lang="ja-JP" altLang="en-US" sz="2400" dirty="0"/>
+              <a:t>）</a:t>
+            </a:r>
+            <a:endParaRPr kumimoji="1" lang="en-US" altLang="ja-JP" sz="2400" dirty="0"/>
+          </a:p>
+          <a:p>
+            <a:pPr lvl="2"/>
+            <a:endParaRPr kumimoji="1" lang="en-US" altLang="ja-JP" sz="2400" dirty="0"/>
+          </a:p>
+          <a:p>
+            <a:pPr lvl="1"/>
+            <a:r>
+              <a:rPr lang="ja-JP" altLang="en-US" dirty="0"/>
+              <a:t>全結合層②　</a:t>
+            </a:r>
+            <a:r>
+              <a:rPr lang="en-US" altLang="ja-JP" dirty="0"/>
+              <a:t>100</a:t>
+            </a:r>
+            <a:r>
+              <a:rPr lang="ja-JP" altLang="en-US" dirty="0"/>
+              <a:t>次元⇒</a:t>
+            </a:r>
+            <a:r>
+              <a:rPr lang="en-US" altLang="ja-JP" dirty="0"/>
+              <a:t>50</a:t>
+            </a:r>
+            <a:r>
+              <a:rPr lang="ja-JP" altLang="en-US" dirty="0"/>
+              <a:t>次元</a:t>
+            </a:r>
+            <a:endParaRPr kumimoji="1" lang="en-US" altLang="ja-JP" dirty="0"/>
+          </a:p>
+        </p:txBody>
+      </p:sp>
+      <p:pic>
+        <p:nvPicPr>
+          <p:cNvPr id="5" name="図 4">
+            <a:extLst>
+              <a:ext uri="{FF2B5EF4-FFF2-40B4-BE49-F238E27FC236}">
+                <a16:creationId xmlns:a16="http://schemas.microsoft.com/office/drawing/2014/main" id="{4F59BAF6-CA90-629C-E498-F9F3AF930E10}"/>
+              </a:ext>
+            </a:extLst>
+          </p:cNvPr>
+          <p:cNvPicPr>
+            <a:picLocks noChangeAspect="1"/>
+          </p:cNvPicPr>
+          <p:nvPr/>
+        </p:nvPicPr>
+        <p:blipFill>
+          <a:blip r:embed="rId2"/>
+          <a:stretch>
+            <a:fillRect/>
+          </a:stretch>
+        </p:blipFill>
+        <p:spPr>
+          <a:xfrm>
+            <a:off x="7281295" y="1980848"/>
+            <a:ext cx="3937311" cy="3896825"/>
+          </a:xfrm>
+          <a:prstGeom prst="rect">
+            <a:avLst/>
+          </a:prstGeom>
+        </p:spPr>
+      </p:pic>
+      <p:sp>
+        <p:nvSpPr>
+          <p:cNvPr id="6" name="テキスト ボックス 5">
+            <a:extLst>
+              <a:ext uri="{FF2B5EF4-FFF2-40B4-BE49-F238E27FC236}">
+                <a16:creationId xmlns:a16="http://schemas.microsoft.com/office/drawing/2014/main" id="{C806556C-4978-077E-E4A8-4548EF8C0DE0}"/>
+              </a:ext>
+            </a:extLst>
+          </p:cNvPr>
+          <p:cNvSpPr txBox="1"/>
+          <p:nvPr/>
+        </p:nvSpPr>
+        <p:spPr>
+          <a:xfrm>
+            <a:off x="6992657" y="5965247"/>
+            <a:ext cx="4765232" cy="646331"/>
+          </a:xfrm>
+          <a:prstGeom prst="rect">
+            <a:avLst/>
+          </a:prstGeom>
+          <a:noFill/>
+        </p:spPr>
+        <p:txBody>
+          <a:bodyPr wrap="square" rtlCol="0">
+            <a:spAutoFit/>
+          </a:bodyPr>
+          <a:lstStyle/>
+          <a:p>
+            <a:r>
+              <a:rPr kumimoji="1" lang="en-US" altLang="ja-JP" dirty="0"/>
+              <a:t>GPT-4o</a:t>
+            </a:r>
+            <a:r>
+              <a:rPr kumimoji="1" lang="ja-JP" altLang="en-US" dirty="0"/>
+              <a:t>にネットワークの図を作成してもらったら意味不明な図が生成された・・・</a:t>
+            </a:r>
+          </a:p>
+        </p:txBody>
+      </p:sp>
+      <p:sp>
+        <p:nvSpPr>
+          <p:cNvPr id="7" name="テキスト ボックス 6">
+            <a:extLst>
+              <a:ext uri="{FF2B5EF4-FFF2-40B4-BE49-F238E27FC236}">
+                <a16:creationId xmlns:a16="http://schemas.microsoft.com/office/drawing/2014/main" id="{1A8D85DC-9BB3-1AE0-08F8-22359DDF599A}"/>
+              </a:ext>
+            </a:extLst>
+          </p:cNvPr>
+          <p:cNvSpPr txBox="1"/>
+          <p:nvPr/>
+        </p:nvSpPr>
+        <p:spPr>
+          <a:xfrm>
+            <a:off x="815765" y="5265755"/>
+            <a:ext cx="2959822" cy="400110"/>
+          </a:xfrm>
+          <a:prstGeom prst="rect">
+            <a:avLst/>
+          </a:prstGeom>
+          <a:noFill/>
+        </p:spPr>
+        <p:txBody>
+          <a:bodyPr wrap="square" rtlCol="0">
+            <a:spAutoFit/>
+          </a:bodyPr>
+          <a:lstStyle/>
+          <a:p>
+            <a:r>
+              <a:rPr lang="ja-JP" altLang="en-US" sz="2000" dirty="0"/>
+              <a:t>学習率　</a:t>
+            </a:r>
+            <a:r>
+              <a:rPr lang="en-US" altLang="ja-JP" sz="2000" dirty="0"/>
+              <a:t>0.0002</a:t>
+            </a:r>
+            <a:endParaRPr kumimoji="1" lang="ja-JP" altLang="en-US" sz="2000" dirty="0"/>
+          </a:p>
+        </p:txBody>
+      </p:sp>
+    </p:spTree>
+    <p:extLst>
+      <p:ext uri="{BB962C8B-B14F-4D97-AF65-F5344CB8AC3E}">
+        <p14:creationId xmlns:p14="http://schemas.microsoft.com/office/powerpoint/2010/main" val="2143970289"/>
+      </p:ext>
+    </p:extLst>
+  </p:cSld>
+  <p:clrMapOvr>
+    <a:masterClrMapping/>
+  </p:clrMapOvr>
+</p:sld>
+</file>
+
+<file path=ppt/slides/slide16.xml><?xml version="1.0" encoding="utf-8"?>
+<p:sld xmlns:a="http://schemas.openxmlformats.org/drawingml/2006/main" xmlns:r="http://schemas.openxmlformats.org/officeDocument/2006/relationships" xmlns:p="http://schemas.openxmlformats.org/presentationml/2006/main">
+  <p:cSld>
+    <p:spTree>
+      <p:nvGrpSpPr>
+        <p:cNvPr id="1" name=""/>
+        <p:cNvGrpSpPr/>
+        <p:nvPr/>
+      </p:nvGrpSpPr>
+      <p:grpSpPr>
+        <a:xfrm>
+          <a:off x="0" y="0"/>
+          <a:ext cx="0" cy="0"/>
+          <a:chOff x="0" y="0"/>
+          <a:chExt cx="0" cy="0"/>
+        </a:xfrm>
+      </p:grpSpPr>
+      <p:sp>
+        <p:nvSpPr>
+          <p:cNvPr id="2" name="タイトル 1">
+            <a:extLst>
+              <a:ext uri="{FF2B5EF4-FFF2-40B4-BE49-F238E27FC236}">
+                <a16:creationId xmlns:a16="http://schemas.microsoft.com/office/drawing/2014/main" id="{F1068B51-687A-771B-1EE0-B594EFA1889A}"/>
+              </a:ext>
+            </a:extLst>
+          </p:cNvPr>
+          <p:cNvSpPr>
+            <a:spLocks noGrp="1"/>
+          </p:cNvSpPr>
+          <p:nvPr>
+            <p:ph type="title"/>
+          </p:nvPr>
+        </p:nvSpPr>
+        <p:spPr/>
+        <p:txBody>
           <a:bodyPr>
             <a:normAutofit/>
           </a:bodyPr>
@@ -9743,7 +11499,7 @@
 </p:sld>
 </file>
 
-<file path=ppt/slides/slide12.xml><?xml version="1.0" encoding="utf-8"?>
+<file path=ppt/slides/slide17.xml><?xml version="1.0" encoding="utf-8"?>
 <p:sld xmlns:a="http://schemas.openxmlformats.org/drawingml/2006/main" xmlns:r="http://schemas.openxmlformats.org/officeDocument/2006/relationships" xmlns:p="http://schemas.openxmlformats.org/presentationml/2006/main">
   <p:cSld>
     <p:spTree>
@@ -9937,7 +11693,7 @@
 </p:sld>
 </file>
 
-<file path=ppt/slides/slide13.xml><?xml version="1.0" encoding="utf-8"?>
+<file path=ppt/slides/slide18.xml><?xml version="1.0" encoding="utf-8"?>
 <p:sld xmlns:a="http://schemas.openxmlformats.org/drawingml/2006/main" xmlns:r="http://schemas.openxmlformats.org/officeDocument/2006/relationships" xmlns:p="http://schemas.openxmlformats.org/presentationml/2006/main">
   <p:cSld>
     <p:spTree>
@@ -10190,7 +11946,7 @@
 </p:sld>
 </file>
 
-<file path=ppt/slides/slide14.xml><?xml version="1.0" encoding="utf-8"?>
+<file path=ppt/slides/slide19.xml><?xml version="1.0" encoding="utf-8"?>
 <p:sld xmlns:a="http://schemas.openxmlformats.org/drawingml/2006/main" xmlns:r="http://schemas.openxmlformats.org/officeDocument/2006/relationships" xmlns:p="http://schemas.openxmlformats.org/presentationml/2006/main">
   <p:cSld>
     <p:spTree>
@@ -10431,7 +12187,223 @@
 </p:sld>
 </file>
 
-<file path=ppt/slides/slide15.xml><?xml version="1.0" encoding="utf-8"?>
+<file path=ppt/slides/slide2.xml><?xml version="1.0" encoding="utf-8"?>
+<p:sld xmlns:a="http://schemas.openxmlformats.org/drawingml/2006/main" xmlns:r="http://schemas.openxmlformats.org/officeDocument/2006/relationships" xmlns:p="http://schemas.openxmlformats.org/presentationml/2006/main">
+  <p:cSld>
+    <p:spTree>
+      <p:nvGrpSpPr>
+        <p:cNvPr id="1" name=""/>
+        <p:cNvGrpSpPr/>
+        <p:nvPr/>
+      </p:nvGrpSpPr>
+      <p:grpSpPr>
+        <a:xfrm>
+          <a:off x="0" y="0"/>
+          <a:ext cx="0" cy="0"/>
+          <a:chOff x="0" y="0"/>
+          <a:chExt cx="0" cy="0"/>
+        </a:xfrm>
+      </p:grpSpPr>
+      <p:sp>
+        <p:nvSpPr>
+          <p:cNvPr id="2" name="タイトル 1">
+            <a:extLst>
+              <a:ext uri="{FF2B5EF4-FFF2-40B4-BE49-F238E27FC236}">
+                <a16:creationId xmlns:a16="http://schemas.microsoft.com/office/drawing/2014/main" id="{4EE7386E-D72E-65BE-11B7-DC0FB9C87727}"/>
+              </a:ext>
+            </a:extLst>
+          </p:cNvPr>
+          <p:cNvSpPr>
+            <a:spLocks noGrp="1"/>
+          </p:cNvSpPr>
+          <p:nvPr>
+            <p:ph type="title"/>
+          </p:nvPr>
+        </p:nvSpPr>
+        <p:spPr/>
+        <p:txBody>
+          <a:bodyPr/>
+          <a:lstStyle/>
+          <a:p>
+            <a:r>
+              <a:rPr lang="ja-JP" altLang="en-US" dirty="0"/>
+              <a:t>はじめに</a:t>
+            </a:r>
+            <a:endParaRPr kumimoji="1" lang="ja-JP" altLang="en-US" dirty="0"/>
+          </a:p>
+        </p:txBody>
+      </p:sp>
+      <p:sp>
+        <p:nvSpPr>
+          <p:cNvPr id="3" name="コンテンツ プレースホルダー 2">
+            <a:extLst>
+              <a:ext uri="{FF2B5EF4-FFF2-40B4-BE49-F238E27FC236}">
+                <a16:creationId xmlns:a16="http://schemas.microsoft.com/office/drawing/2014/main" id="{C6C4C2F8-DE03-C390-A674-4892B0893685}"/>
+              </a:ext>
+            </a:extLst>
+          </p:cNvPr>
+          <p:cNvSpPr>
+            <a:spLocks noGrp="1"/>
+          </p:cNvSpPr>
+          <p:nvPr>
+            <p:ph idx="1"/>
+          </p:nvPr>
+        </p:nvSpPr>
+        <p:spPr>
+          <a:xfrm>
+            <a:off x="145472" y="942110"/>
+            <a:ext cx="11723253" cy="5338617"/>
+          </a:xfrm>
+        </p:spPr>
+        <p:txBody>
+          <a:bodyPr/>
+          <a:lstStyle/>
+          <a:p>
+            <a:r>
+              <a:rPr kumimoji="1" lang="ja-JP" altLang="en-US" dirty="0"/>
+              <a:t>前回</a:t>
+            </a:r>
+            <a:r>
+              <a:rPr lang="ja-JP" altLang="en-US" dirty="0"/>
+              <a:t>発表した</a:t>
+            </a:r>
+            <a:r>
+              <a:rPr kumimoji="1" lang="ja-JP" altLang="en-US" dirty="0"/>
+              <a:t>時系列生成の続きとして</a:t>
+            </a:r>
+            <a:r>
+              <a:rPr lang="en-US" altLang="ja-JP" dirty="0"/>
+              <a:t>GAN</a:t>
+            </a:r>
+            <a:r>
+              <a:rPr kumimoji="1" lang="ja-JP" altLang="en-US" dirty="0"/>
+              <a:t>を試す</a:t>
+            </a:r>
+            <a:endParaRPr lang="en-US" altLang="ja-JP" dirty="0"/>
+          </a:p>
+          <a:p>
+            <a:r>
+              <a:rPr lang="en-US" altLang="ja-JP" dirty="0"/>
+              <a:t>GAN(Generative Adversarial Network)</a:t>
+            </a:r>
+            <a:r>
+              <a:rPr kumimoji="1" lang="ja-JP" altLang="en-US" dirty="0"/>
+              <a:t>は、</a:t>
+            </a:r>
+            <a:r>
+              <a:rPr kumimoji="1" lang="en-US" altLang="ja-JP" dirty="0"/>
+              <a:t>Goodfellow</a:t>
+            </a:r>
+            <a:r>
+              <a:rPr kumimoji="1" lang="ja-JP" altLang="en-US" dirty="0"/>
+              <a:t>らによって</a:t>
+            </a:r>
+            <a:r>
+              <a:rPr kumimoji="1" lang="en-US" altLang="ja-JP" dirty="0"/>
+              <a:t>2014</a:t>
+            </a:r>
+            <a:r>
+              <a:rPr kumimoji="1" lang="ja-JP" altLang="en-US" dirty="0"/>
+              <a:t>年に発表された生成モデル</a:t>
+            </a:r>
+            <a:endParaRPr kumimoji="1" lang="en-US" altLang="ja-JP" dirty="0"/>
+          </a:p>
+          <a:p>
+            <a:endParaRPr kumimoji="1" lang="en-US" altLang="ja-JP" dirty="0"/>
+          </a:p>
+          <a:p>
+            <a:endParaRPr kumimoji="1" lang="ja-JP" altLang="en-US" dirty="0"/>
+          </a:p>
+        </p:txBody>
+      </p:sp>
+      <p:pic>
+        <p:nvPicPr>
+          <p:cNvPr id="5" name="図 4">
+            <a:extLst>
+              <a:ext uri="{FF2B5EF4-FFF2-40B4-BE49-F238E27FC236}">
+                <a16:creationId xmlns:a16="http://schemas.microsoft.com/office/drawing/2014/main" id="{00D99924-8201-356F-07F9-5370C11C4B96}"/>
+              </a:ext>
+            </a:extLst>
+          </p:cNvPr>
+          <p:cNvPicPr>
+            <a:picLocks noChangeAspect="1"/>
+          </p:cNvPicPr>
+          <p:nvPr/>
+        </p:nvPicPr>
+        <p:blipFill>
+          <a:blip r:embed="rId2"/>
+          <a:stretch>
+            <a:fillRect/>
+          </a:stretch>
+        </p:blipFill>
+        <p:spPr>
+          <a:xfrm>
+            <a:off x="2792144" y="2453969"/>
+            <a:ext cx="5348965" cy="3869283"/>
+          </a:xfrm>
+          <a:prstGeom prst="rect">
+            <a:avLst/>
+          </a:prstGeom>
+        </p:spPr>
+      </p:pic>
+      <p:sp>
+        <p:nvSpPr>
+          <p:cNvPr id="6" name="テキスト ボックス 5">
+            <a:extLst>
+              <a:ext uri="{FF2B5EF4-FFF2-40B4-BE49-F238E27FC236}">
+                <a16:creationId xmlns:a16="http://schemas.microsoft.com/office/drawing/2014/main" id="{23CC250E-A2F1-9100-F800-239DE5E06E41}"/>
+              </a:ext>
+            </a:extLst>
+          </p:cNvPr>
+          <p:cNvSpPr txBox="1"/>
+          <p:nvPr/>
+        </p:nvSpPr>
+        <p:spPr>
+          <a:xfrm>
+            <a:off x="1702244" y="6323252"/>
+            <a:ext cx="8978865" cy="276999"/>
+          </a:xfrm>
+          <a:prstGeom prst="rect">
+            <a:avLst/>
+          </a:prstGeom>
+          <a:noFill/>
+        </p:spPr>
+        <p:txBody>
+          <a:bodyPr wrap="square" rtlCol="0">
+            <a:spAutoFit/>
+          </a:bodyPr>
+          <a:lstStyle/>
+          <a:p>
+            <a:r>
+              <a:rPr kumimoji="1" lang="en-US" altLang="ja-JP" sz="1200" dirty="0"/>
+              <a:t>(</a:t>
+            </a:r>
+            <a:r>
+              <a:rPr kumimoji="1" lang="ja-JP" altLang="en-US" sz="1200" dirty="0"/>
+              <a:t>引用元</a:t>
+            </a:r>
+            <a:r>
+              <a:rPr kumimoji="1" lang="en-US" altLang="ja-JP" sz="1200" dirty="0"/>
+              <a:t>) https://proceedings.neurips.cc/paper_files/paper/2014/file/5ca3e9b122f61f8f06494c97b1afccf3-Paper.pdf</a:t>
+            </a:r>
+            <a:endParaRPr kumimoji="1" lang="ja-JP" altLang="en-US" sz="1200" dirty="0"/>
+          </a:p>
+        </p:txBody>
+      </p:sp>
+    </p:spTree>
+    <p:extLst>
+      <p:ext uri="{BB962C8B-B14F-4D97-AF65-F5344CB8AC3E}">
+        <p14:creationId xmlns:p14="http://schemas.microsoft.com/office/powerpoint/2010/main" val="1448031421"/>
+      </p:ext>
+    </p:extLst>
+  </p:cSld>
+  <p:clrMapOvr>
+    <a:masterClrMapping/>
+  </p:clrMapOvr>
+</p:sld>
+</file>
+
+<file path=ppt/slides/slide20.xml><?xml version="1.0" encoding="utf-8"?>
 <p:sld xmlns:a="http://schemas.openxmlformats.org/drawingml/2006/main" xmlns:r="http://schemas.openxmlformats.org/officeDocument/2006/relationships" xmlns:p="http://schemas.openxmlformats.org/presentationml/2006/main">
   <p:cSld>
     <p:spTree>
@@ -10866,7 +12838,7 @@
 </p:sld>
 </file>
 
-<file path=ppt/slides/slide16.xml><?xml version="1.0" encoding="utf-8"?>
+<file path=ppt/slides/slide21.xml><?xml version="1.0" encoding="utf-8"?>
 <p:sld xmlns:a="http://schemas.openxmlformats.org/drawingml/2006/main" xmlns:r="http://schemas.openxmlformats.org/officeDocument/2006/relationships" xmlns:p="http://schemas.openxmlformats.org/presentationml/2006/main">
   <p:cSld>
     <p:spTree>
@@ -11636,7 +13608,7 @@
 </p:sld>
 </file>
 
-<file path=ppt/slides/slide17.xml><?xml version="1.0" encoding="utf-8"?>
+<file path=ppt/slides/slide22.xml><?xml version="1.0" encoding="utf-8"?>
 <p:sld xmlns:a="http://schemas.openxmlformats.org/drawingml/2006/main" xmlns:r="http://schemas.openxmlformats.org/officeDocument/2006/relationships" xmlns:p="http://schemas.openxmlformats.org/presentationml/2006/main">
   <p:cSld>
     <p:spTree>
@@ -11888,7 +13860,7 @@
 </p:sld>
 </file>
 
-<file path=ppt/slides/slide18.xml><?xml version="1.0" encoding="utf-8"?>
+<file path=ppt/slides/slide23.xml><?xml version="1.0" encoding="utf-8"?>
 <p:sld xmlns:a="http://schemas.openxmlformats.org/drawingml/2006/main" xmlns:r="http://schemas.openxmlformats.org/officeDocument/2006/relationships" xmlns:p="http://schemas.openxmlformats.org/presentationml/2006/main">
   <p:cSld>
     <p:spTree>
@@ -12191,7 +14163,7 @@
 </p:sld>
 </file>
 
-<file path=ppt/slides/slide19.xml><?xml version="1.0" encoding="utf-8"?>
+<file path=ppt/slides/slide24.xml><?xml version="1.0" encoding="utf-8"?>
 <p:sld xmlns:a="http://schemas.openxmlformats.org/drawingml/2006/main" xmlns:r="http://schemas.openxmlformats.org/officeDocument/2006/relationships" xmlns:p="http://schemas.openxmlformats.org/presentationml/2006/main">
   <p:cSld>
     <p:spTree>
@@ -13001,223 +14973,7 @@
 </p:sld>
 </file>
 
-<file path=ppt/slides/slide2.xml><?xml version="1.0" encoding="utf-8"?>
-<p:sld xmlns:a="http://schemas.openxmlformats.org/drawingml/2006/main" xmlns:r="http://schemas.openxmlformats.org/officeDocument/2006/relationships" xmlns:p="http://schemas.openxmlformats.org/presentationml/2006/main">
-  <p:cSld>
-    <p:spTree>
-      <p:nvGrpSpPr>
-        <p:cNvPr id="1" name=""/>
-        <p:cNvGrpSpPr/>
-        <p:nvPr/>
-      </p:nvGrpSpPr>
-      <p:grpSpPr>
-        <a:xfrm>
-          <a:off x="0" y="0"/>
-          <a:ext cx="0" cy="0"/>
-          <a:chOff x="0" y="0"/>
-          <a:chExt cx="0" cy="0"/>
-        </a:xfrm>
-      </p:grpSpPr>
-      <p:sp>
-        <p:nvSpPr>
-          <p:cNvPr id="2" name="タイトル 1">
-            <a:extLst>
-              <a:ext uri="{FF2B5EF4-FFF2-40B4-BE49-F238E27FC236}">
-                <a16:creationId xmlns:a16="http://schemas.microsoft.com/office/drawing/2014/main" id="{4EE7386E-D72E-65BE-11B7-DC0FB9C87727}"/>
-              </a:ext>
-            </a:extLst>
-          </p:cNvPr>
-          <p:cNvSpPr>
-            <a:spLocks noGrp="1"/>
-          </p:cNvSpPr>
-          <p:nvPr>
-            <p:ph type="title"/>
-          </p:nvPr>
-        </p:nvSpPr>
-        <p:spPr/>
-        <p:txBody>
-          <a:bodyPr/>
-          <a:lstStyle/>
-          <a:p>
-            <a:r>
-              <a:rPr lang="ja-JP" altLang="en-US" dirty="0"/>
-              <a:t>はじめに</a:t>
-            </a:r>
-            <a:endParaRPr kumimoji="1" lang="ja-JP" altLang="en-US" dirty="0"/>
-          </a:p>
-        </p:txBody>
-      </p:sp>
-      <p:sp>
-        <p:nvSpPr>
-          <p:cNvPr id="3" name="コンテンツ プレースホルダー 2">
-            <a:extLst>
-              <a:ext uri="{FF2B5EF4-FFF2-40B4-BE49-F238E27FC236}">
-                <a16:creationId xmlns:a16="http://schemas.microsoft.com/office/drawing/2014/main" id="{C6C4C2F8-DE03-C390-A674-4892B0893685}"/>
-              </a:ext>
-            </a:extLst>
-          </p:cNvPr>
-          <p:cNvSpPr>
-            <a:spLocks noGrp="1"/>
-          </p:cNvSpPr>
-          <p:nvPr>
-            <p:ph idx="1"/>
-          </p:nvPr>
-        </p:nvSpPr>
-        <p:spPr>
-          <a:xfrm>
-            <a:off x="145472" y="942110"/>
-            <a:ext cx="11723253" cy="5338617"/>
-          </a:xfrm>
-        </p:spPr>
-        <p:txBody>
-          <a:bodyPr/>
-          <a:lstStyle/>
-          <a:p>
-            <a:r>
-              <a:rPr kumimoji="1" lang="ja-JP" altLang="en-US" dirty="0"/>
-              <a:t>前回</a:t>
-            </a:r>
-            <a:r>
-              <a:rPr lang="ja-JP" altLang="en-US" dirty="0"/>
-              <a:t>発表した</a:t>
-            </a:r>
-            <a:r>
-              <a:rPr kumimoji="1" lang="ja-JP" altLang="en-US" dirty="0"/>
-              <a:t>時系列生成の続きとして</a:t>
-            </a:r>
-            <a:r>
-              <a:rPr lang="en-US" altLang="ja-JP" dirty="0"/>
-              <a:t>GAN</a:t>
-            </a:r>
-            <a:r>
-              <a:rPr kumimoji="1" lang="ja-JP" altLang="en-US" dirty="0"/>
-              <a:t>を試す</a:t>
-            </a:r>
-            <a:endParaRPr lang="en-US" altLang="ja-JP" dirty="0"/>
-          </a:p>
-          <a:p>
-            <a:r>
-              <a:rPr lang="en-US" altLang="ja-JP" dirty="0"/>
-              <a:t>GAN(Generative Adversarial Network)</a:t>
-            </a:r>
-            <a:r>
-              <a:rPr kumimoji="1" lang="ja-JP" altLang="en-US" dirty="0"/>
-              <a:t>は、</a:t>
-            </a:r>
-            <a:r>
-              <a:rPr kumimoji="1" lang="en-US" altLang="ja-JP" dirty="0"/>
-              <a:t>Goodfellow</a:t>
-            </a:r>
-            <a:r>
-              <a:rPr kumimoji="1" lang="ja-JP" altLang="en-US" dirty="0"/>
-              <a:t>らによって</a:t>
-            </a:r>
-            <a:r>
-              <a:rPr kumimoji="1" lang="en-US" altLang="ja-JP" dirty="0"/>
-              <a:t>2014</a:t>
-            </a:r>
-            <a:r>
-              <a:rPr kumimoji="1" lang="ja-JP" altLang="en-US" dirty="0"/>
-              <a:t>年に発表された生成モデル</a:t>
-            </a:r>
-            <a:endParaRPr kumimoji="1" lang="en-US" altLang="ja-JP" dirty="0"/>
-          </a:p>
-          <a:p>
-            <a:endParaRPr kumimoji="1" lang="en-US" altLang="ja-JP" dirty="0"/>
-          </a:p>
-          <a:p>
-            <a:endParaRPr kumimoji="1" lang="ja-JP" altLang="en-US" dirty="0"/>
-          </a:p>
-        </p:txBody>
-      </p:sp>
-      <p:pic>
-        <p:nvPicPr>
-          <p:cNvPr id="5" name="図 4">
-            <a:extLst>
-              <a:ext uri="{FF2B5EF4-FFF2-40B4-BE49-F238E27FC236}">
-                <a16:creationId xmlns:a16="http://schemas.microsoft.com/office/drawing/2014/main" id="{00D99924-8201-356F-07F9-5370C11C4B96}"/>
-              </a:ext>
-            </a:extLst>
-          </p:cNvPr>
-          <p:cNvPicPr>
-            <a:picLocks noChangeAspect="1"/>
-          </p:cNvPicPr>
-          <p:nvPr/>
-        </p:nvPicPr>
-        <p:blipFill>
-          <a:blip r:embed="rId2"/>
-          <a:stretch>
-            <a:fillRect/>
-          </a:stretch>
-        </p:blipFill>
-        <p:spPr>
-          <a:xfrm>
-            <a:off x="2792144" y="2453969"/>
-            <a:ext cx="5348965" cy="3869283"/>
-          </a:xfrm>
-          <a:prstGeom prst="rect">
-            <a:avLst/>
-          </a:prstGeom>
-        </p:spPr>
-      </p:pic>
-      <p:sp>
-        <p:nvSpPr>
-          <p:cNvPr id="6" name="テキスト ボックス 5">
-            <a:extLst>
-              <a:ext uri="{FF2B5EF4-FFF2-40B4-BE49-F238E27FC236}">
-                <a16:creationId xmlns:a16="http://schemas.microsoft.com/office/drawing/2014/main" id="{23CC250E-A2F1-9100-F800-239DE5E06E41}"/>
-              </a:ext>
-            </a:extLst>
-          </p:cNvPr>
-          <p:cNvSpPr txBox="1"/>
-          <p:nvPr/>
-        </p:nvSpPr>
-        <p:spPr>
-          <a:xfrm>
-            <a:off x="1702244" y="6323252"/>
-            <a:ext cx="8978865" cy="276999"/>
-          </a:xfrm>
-          <a:prstGeom prst="rect">
-            <a:avLst/>
-          </a:prstGeom>
-          <a:noFill/>
-        </p:spPr>
-        <p:txBody>
-          <a:bodyPr wrap="square" rtlCol="0">
-            <a:spAutoFit/>
-          </a:bodyPr>
-          <a:lstStyle/>
-          <a:p>
-            <a:r>
-              <a:rPr kumimoji="1" lang="en-US" altLang="ja-JP" sz="1200" dirty="0"/>
-              <a:t>(</a:t>
-            </a:r>
-            <a:r>
-              <a:rPr kumimoji="1" lang="ja-JP" altLang="en-US" sz="1200" dirty="0"/>
-              <a:t>引用元</a:t>
-            </a:r>
-            <a:r>
-              <a:rPr kumimoji="1" lang="en-US" altLang="ja-JP" sz="1200" dirty="0"/>
-              <a:t>) https://proceedings.neurips.cc/paper_files/paper/2014/file/5ca3e9b122f61f8f06494c97b1afccf3-Paper.pdf</a:t>
-            </a:r>
-            <a:endParaRPr kumimoji="1" lang="ja-JP" altLang="en-US" sz="1200" dirty="0"/>
-          </a:p>
-        </p:txBody>
-      </p:sp>
-    </p:spTree>
-    <p:extLst>
-      <p:ext uri="{BB962C8B-B14F-4D97-AF65-F5344CB8AC3E}">
-        <p14:creationId xmlns:p14="http://schemas.microsoft.com/office/powerpoint/2010/main" val="1448031421"/>
-      </p:ext>
-    </p:extLst>
-  </p:cSld>
-  <p:clrMapOvr>
-    <a:masterClrMapping/>
-  </p:clrMapOvr>
-</p:sld>
-</file>
-
-<file path=ppt/slides/slide20.xml><?xml version="1.0" encoding="utf-8"?>
+<file path=ppt/slides/slide25.xml><?xml version="1.0" encoding="utf-8"?>
 <p:sld xmlns:a="http://schemas.openxmlformats.org/drawingml/2006/main" xmlns:r="http://schemas.openxmlformats.org/officeDocument/2006/relationships" xmlns:p="http://schemas.openxmlformats.org/presentationml/2006/main">
   <p:cSld>
     <p:spTree>
@@ -13563,7 +15319,7 @@
 </p:sld>
 </file>
 
-<file path=ppt/slides/slide21.xml><?xml version="1.0" encoding="utf-8"?>
+<file path=ppt/slides/slide26.xml><?xml version="1.0" encoding="utf-8"?>
 <p:sld xmlns:a="http://schemas.openxmlformats.org/drawingml/2006/main" xmlns:r="http://schemas.openxmlformats.org/officeDocument/2006/relationships" xmlns:p="http://schemas.openxmlformats.org/presentationml/2006/main">
   <p:cSld>
     <p:spTree>
@@ -13768,7 +15524,7 @@
 </p:sld>
 </file>
 
-<file path=ppt/slides/slide22.xml><?xml version="1.0" encoding="utf-8"?>
+<file path=ppt/slides/slide27.xml><?xml version="1.0" encoding="utf-8"?>
 <p:sld xmlns:a="http://schemas.openxmlformats.org/drawingml/2006/main" xmlns:r="http://schemas.openxmlformats.org/officeDocument/2006/relationships" xmlns:p="http://schemas.openxmlformats.org/presentationml/2006/main">
   <p:cSld>
     <p:spTree>
@@ -14582,7 +16338,7 @@
 </p:sld>
 </file>
 
-<file path=ppt/slides/slide23.xml><?xml version="1.0" encoding="utf-8"?>
+<file path=ppt/slides/slide28.xml><?xml version="1.0" encoding="utf-8"?>
 <p:sld xmlns:a="http://schemas.openxmlformats.org/drawingml/2006/main" xmlns:r="http://schemas.openxmlformats.org/officeDocument/2006/relationships" xmlns:p="http://schemas.openxmlformats.org/presentationml/2006/main">
   <p:cSld>
     <p:spTree>
@@ -14928,7 +16684,7 @@
 </p:sld>
 </file>
 
-<file path=ppt/slides/slide24.xml><?xml version="1.0" encoding="utf-8"?>
+<file path=ppt/slides/slide29.xml><?xml version="1.0" encoding="utf-8"?>
 <p:sld xmlns:a="http://schemas.openxmlformats.org/drawingml/2006/main" xmlns:r="http://schemas.openxmlformats.org/officeDocument/2006/relationships" xmlns:p="http://schemas.openxmlformats.org/presentationml/2006/main">
   <p:cSld>
     <p:spTree>
@@ -15731,7 +17487,221 @@
 </p:sld>
 </file>
 
-<file path=ppt/slides/slide25.xml><?xml version="1.0" encoding="utf-8"?>
+<file path=ppt/slides/slide3.xml><?xml version="1.0" encoding="utf-8"?>
+<p:sld xmlns:a="http://schemas.openxmlformats.org/drawingml/2006/main" xmlns:r="http://schemas.openxmlformats.org/officeDocument/2006/relationships" xmlns:p="http://schemas.openxmlformats.org/presentationml/2006/main">
+  <p:cSld>
+    <p:spTree>
+      <p:nvGrpSpPr>
+        <p:cNvPr id="1" name=""/>
+        <p:cNvGrpSpPr/>
+        <p:nvPr/>
+      </p:nvGrpSpPr>
+      <p:grpSpPr>
+        <a:xfrm>
+          <a:off x="0" y="0"/>
+          <a:ext cx="0" cy="0"/>
+          <a:chOff x="0" y="0"/>
+          <a:chExt cx="0" cy="0"/>
+        </a:xfrm>
+      </p:grpSpPr>
+      <p:sp>
+        <p:nvSpPr>
+          <p:cNvPr id="2" name="タイトル 1">
+            <a:extLst>
+              <a:ext uri="{FF2B5EF4-FFF2-40B4-BE49-F238E27FC236}">
+                <a16:creationId xmlns:a16="http://schemas.microsoft.com/office/drawing/2014/main" id="{4EE7386E-D72E-65BE-11B7-DC0FB9C87727}"/>
+              </a:ext>
+            </a:extLst>
+          </p:cNvPr>
+          <p:cNvSpPr>
+            <a:spLocks noGrp="1"/>
+          </p:cNvSpPr>
+          <p:nvPr>
+            <p:ph type="title"/>
+          </p:nvPr>
+        </p:nvSpPr>
+        <p:spPr/>
+        <p:txBody>
+          <a:bodyPr/>
+          <a:lstStyle/>
+          <a:p>
+            <a:r>
+              <a:rPr kumimoji="1" lang="en-US" altLang="ja-JP" dirty="0"/>
+              <a:t>GAN</a:t>
+            </a:r>
+            <a:r>
+              <a:rPr kumimoji="1" lang="ja-JP" altLang="en-US" dirty="0"/>
+              <a:t>の概要</a:t>
+            </a:r>
+          </a:p>
+        </p:txBody>
+      </p:sp>
+      <p:sp>
+        <p:nvSpPr>
+          <p:cNvPr id="3" name="コンテンツ プレースホルダー 2">
+            <a:extLst>
+              <a:ext uri="{FF2B5EF4-FFF2-40B4-BE49-F238E27FC236}">
+                <a16:creationId xmlns:a16="http://schemas.microsoft.com/office/drawing/2014/main" id="{C6C4C2F8-DE03-C390-A674-4892B0893685}"/>
+              </a:ext>
+            </a:extLst>
+          </p:cNvPr>
+          <p:cNvSpPr>
+            <a:spLocks noGrp="1"/>
+          </p:cNvSpPr>
+          <p:nvPr>
+            <p:ph idx="1"/>
+          </p:nvPr>
+        </p:nvSpPr>
+        <p:spPr>
+          <a:xfrm>
+            <a:off x="145472" y="1012723"/>
+            <a:ext cx="11723253" cy="5268004"/>
+          </a:xfrm>
+        </p:spPr>
+        <p:txBody>
+          <a:bodyPr/>
+          <a:lstStyle/>
+          <a:p>
+            <a:r>
+              <a:rPr lang="en-US" altLang="ja-JP" dirty="0"/>
+              <a:t>Generator</a:t>
+            </a:r>
+            <a:r>
+              <a:rPr lang="ja-JP" altLang="en-US" dirty="0"/>
+              <a:t>と</a:t>
+            </a:r>
+            <a:r>
+              <a:rPr lang="en-US" altLang="ja-JP" dirty="0"/>
+              <a:t>Discriminator</a:t>
+            </a:r>
+            <a:r>
+              <a:rPr lang="ja-JP" altLang="en-US" dirty="0"/>
+              <a:t>の２つのネットワークで構成される</a:t>
+            </a:r>
+            <a:endParaRPr lang="en-US" altLang="ja-JP" dirty="0"/>
+          </a:p>
+          <a:p>
+            <a:pPr lvl="1"/>
+            <a:r>
+              <a:rPr kumimoji="1" lang="en-US" altLang="ja-JP" sz="2200" dirty="0"/>
+              <a:t>Generator</a:t>
+            </a:r>
+            <a:r>
+              <a:rPr kumimoji="1" lang="ja-JP" altLang="en-US" sz="2200" dirty="0"/>
+              <a:t>：何らかの数値を受け取り、その数値に基づいてデータを出力</a:t>
+            </a:r>
+            <a:endParaRPr kumimoji="1" lang="en-US" altLang="ja-JP" sz="2200" dirty="0"/>
+          </a:p>
+          <a:p>
+            <a:pPr lvl="1"/>
+            <a:r>
+              <a:rPr lang="en-US" altLang="ja-JP" sz="2200" dirty="0"/>
+              <a:t>Discriminator</a:t>
+            </a:r>
+            <a:r>
+              <a:rPr lang="ja-JP" altLang="en-US" sz="2200" dirty="0"/>
+              <a:t>：入力されたデータが</a:t>
+            </a:r>
+            <a:r>
+              <a:rPr lang="en-US" altLang="ja-JP" sz="2200" dirty="0"/>
+              <a:t>Generator</a:t>
+            </a:r>
+            <a:r>
+              <a:rPr lang="ja-JP" altLang="en-US" sz="2200" dirty="0"/>
+              <a:t>が生成した偽物か訓練データかを判別</a:t>
+            </a:r>
+            <a:endParaRPr kumimoji="1" lang="ja-JP" altLang="en-US" sz="2200" dirty="0"/>
+          </a:p>
+        </p:txBody>
+      </p:sp>
+      <p:pic>
+        <p:nvPicPr>
+          <p:cNvPr id="5" name="図 4">
+            <a:extLst>
+              <a:ext uri="{FF2B5EF4-FFF2-40B4-BE49-F238E27FC236}">
+                <a16:creationId xmlns:a16="http://schemas.microsoft.com/office/drawing/2014/main" id="{B68C0763-E614-4A45-15A4-65DFD6085729}"/>
+              </a:ext>
+            </a:extLst>
+          </p:cNvPr>
+          <p:cNvPicPr>
+            <a:picLocks noChangeAspect="1"/>
+          </p:cNvPicPr>
+          <p:nvPr/>
+        </p:nvPicPr>
+        <p:blipFill>
+          <a:blip r:embed="rId2"/>
+          <a:stretch>
+            <a:fillRect/>
+          </a:stretch>
+        </p:blipFill>
+        <p:spPr>
+          <a:xfrm>
+            <a:off x="1986232" y="2386687"/>
+            <a:ext cx="7491469" cy="3639541"/>
+          </a:xfrm>
+          <a:prstGeom prst="rect">
+            <a:avLst/>
+          </a:prstGeom>
+        </p:spPr>
+      </p:pic>
+      <p:sp>
+        <p:nvSpPr>
+          <p:cNvPr id="6" name="テキスト ボックス 5">
+            <a:extLst>
+              <a:ext uri="{FF2B5EF4-FFF2-40B4-BE49-F238E27FC236}">
+                <a16:creationId xmlns:a16="http://schemas.microsoft.com/office/drawing/2014/main" id="{9E7F4580-67EC-10F1-DC69-8077F2B3582B}"/>
+              </a:ext>
+            </a:extLst>
+          </p:cNvPr>
+          <p:cNvSpPr txBox="1"/>
+          <p:nvPr/>
+        </p:nvSpPr>
+        <p:spPr>
+          <a:xfrm>
+            <a:off x="2585884" y="6192920"/>
+            <a:ext cx="7973962" cy="369332"/>
+          </a:xfrm>
+          <a:prstGeom prst="rect">
+            <a:avLst/>
+          </a:prstGeom>
+          <a:noFill/>
+        </p:spPr>
+        <p:txBody>
+          <a:bodyPr wrap="square" rtlCol="0">
+            <a:spAutoFit/>
+          </a:bodyPr>
+          <a:lstStyle/>
+          <a:p>
+            <a:r>
+              <a:rPr kumimoji="1" lang="en-US" altLang="ja-JP" dirty="0"/>
+              <a:t>(</a:t>
+            </a:r>
+            <a:r>
+              <a:rPr kumimoji="1" lang="ja-JP" altLang="en-US" dirty="0"/>
+              <a:t>引用元</a:t>
+            </a:r>
+            <a:r>
+              <a:rPr kumimoji="1" lang="en-US" altLang="ja-JP" dirty="0"/>
+              <a:t>)https://www.skillupai.com/blog/tech/mldl-tips-1/</a:t>
+            </a:r>
+            <a:endParaRPr kumimoji="1" lang="ja-JP" altLang="en-US" dirty="0"/>
+          </a:p>
+        </p:txBody>
+      </p:sp>
+    </p:spTree>
+    <p:extLst>
+      <p:ext uri="{BB962C8B-B14F-4D97-AF65-F5344CB8AC3E}">
+        <p14:creationId xmlns:p14="http://schemas.microsoft.com/office/powerpoint/2010/main" val="3414651321"/>
+      </p:ext>
+    </p:extLst>
+  </p:cSld>
+  <p:clrMapOvr>
+    <a:masterClrMapping/>
+  </p:clrMapOvr>
+</p:sld>
+</file>
+
+<file path=ppt/slides/slide30.xml><?xml version="1.0" encoding="utf-8"?>
 <p:sld xmlns:a="http://schemas.openxmlformats.org/drawingml/2006/main" xmlns:r="http://schemas.openxmlformats.org/officeDocument/2006/relationships" xmlns:p="http://schemas.openxmlformats.org/presentationml/2006/main">
   <p:cSld>
     <p:spTree>
@@ -16077,7 +18047,7 @@
 </p:sld>
 </file>
 
-<file path=ppt/slides/slide26.xml><?xml version="1.0" encoding="utf-8"?>
+<file path=ppt/slides/slide31.xml><?xml version="1.0" encoding="utf-8"?>
 <p:sld xmlns:a="http://schemas.openxmlformats.org/drawingml/2006/main" xmlns:r="http://schemas.openxmlformats.org/officeDocument/2006/relationships" xmlns:p="http://schemas.openxmlformats.org/presentationml/2006/main">
   <p:cSld>
     <p:spTree>
@@ -16282,7 +18252,7 @@
 </p:sld>
 </file>
 
-<file path=ppt/slides/slide27.xml><?xml version="1.0" encoding="utf-8"?>
+<file path=ppt/slides/slide32.xml><?xml version="1.0" encoding="utf-8"?>
 <p:sld xmlns:a="http://schemas.openxmlformats.org/drawingml/2006/main" xmlns:r="http://schemas.openxmlformats.org/officeDocument/2006/relationships" xmlns:p="http://schemas.openxmlformats.org/presentationml/2006/main">
   <p:cSld>
     <p:spTree>
@@ -16410,7 +18380,7 @@
 </p:sld>
 </file>
 
-<file path=ppt/slides/slide28.xml><?xml version="1.0" encoding="utf-8"?>
+<file path=ppt/slides/slide33.xml><?xml version="1.0" encoding="utf-8"?>
 <p:sld xmlns:a="http://schemas.openxmlformats.org/drawingml/2006/main" xmlns:r="http://schemas.openxmlformats.org/officeDocument/2006/relationships" xmlns:p="http://schemas.openxmlformats.org/presentationml/2006/main">
   <p:cSld>
     <p:spTree>
@@ -16597,220 +18567,6 @@
     <p:extLst>
       <p:ext uri="{BB962C8B-B14F-4D97-AF65-F5344CB8AC3E}">
         <p14:creationId xmlns:p14="http://schemas.microsoft.com/office/powerpoint/2010/main" val="4112894032"/>
-      </p:ext>
-    </p:extLst>
-  </p:cSld>
-  <p:clrMapOvr>
-    <a:masterClrMapping/>
-  </p:clrMapOvr>
-</p:sld>
-</file>
-
-<file path=ppt/slides/slide3.xml><?xml version="1.0" encoding="utf-8"?>
-<p:sld xmlns:a="http://schemas.openxmlformats.org/drawingml/2006/main" xmlns:r="http://schemas.openxmlformats.org/officeDocument/2006/relationships" xmlns:p="http://schemas.openxmlformats.org/presentationml/2006/main">
-  <p:cSld>
-    <p:spTree>
-      <p:nvGrpSpPr>
-        <p:cNvPr id="1" name=""/>
-        <p:cNvGrpSpPr/>
-        <p:nvPr/>
-      </p:nvGrpSpPr>
-      <p:grpSpPr>
-        <a:xfrm>
-          <a:off x="0" y="0"/>
-          <a:ext cx="0" cy="0"/>
-          <a:chOff x="0" y="0"/>
-          <a:chExt cx="0" cy="0"/>
-        </a:xfrm>
-      </p:grpSpPr>
-      <p:sp>
-        <p:nvSpPr>
-          <p:cNvPr id="2" name="タイトル 1">
-            <a:extLst>
-              <a:ext uri="{FF2B5EF4-FFF2-40B4-BE49-F238E27FC236}">
-                <a16:creationId xmlns:a16="http://schemas.microsoft.com/office/drawing/2014/main" id="{4EE7386E-D72E-65BE-11B7-DC0FB9C87727}"/>
-              </a:ext>
-            </a:extLst>
-          </p:cNvPr>
-          <p:cNvSpPr>
-            <a:spLocks noGrp="1"/>
-          </p:cNvSpPr>
-          <p:nvPr>
-            <p:ph type="title"/>
-          </p:nvPr>
-        </p:nvSpPr>
-        <p:spPr/>
-        <p:txBody>
-          <a:bodyPr/>
-          <a:lstStyle/>
-          <a:p>
-            <a:r>
-              <a:rPr kumimoji="1" lang="en-US" altLang="ja-JP" dirty="0"/>
-              <a:t>GAN</a:t>
-            </a:r>
-            <a:r>
-              <a:rPr kumimoji="1" lang="ja-JP" altLang="en-US" dirty="0"/>
-              <a:t>の概要</a:t>
-            </a:r>
-          </a:p>
-        </p:txBody>
-      </p:sp>
-      <p:sp>
-        <p:nvSpPr>
-          <p:cNvPr id="3" name="コンテンツ プレースホルダー 2">
-            <a:extLst>
-              <a:ext uri="{FF2B5EF4-FFF2-40B4-BE49-F238E27FC236}">
-                <a16:creationId xmlns:a16="http://schemas.microsoft.com/office/drawing/2014/main" id="{C6C4C2F8-DE03-C390-A674-4892B0893685}"/>
-              </a:ext>
-            </a:extLst>
-          </p:cNvPr>
-          <p:cNvSpPr>
-            <a:spLocks noGrp="1"/>
-          </p:cNvSpPr>
-          <p:nvPr>
-            <p:ph idx="1"/>
-          </p:nvPr>
-        </p:nvSpPr>
-        <p:spPr>
-          <a:xfrm>
-            <a:off x="145472" y="1012723"/>
-            <a:ext cx="11723253" cy="5268004"/>
-          </a:xfrm>
-        </p:spPr>
-        <p:txBody>
-          <a:bodyPr/>
-          <a:lstStyle/>
-          <a:p>
-            <a:r>
-              <a:rPr lang="en-US" altLang="ja-JP" dirty="0"/>
-              <a:t>Generator</a:t>
-            </a:r>
-            <a:r>
-              <a:rPr lang="ja-JP" altLang="en-US" dirty="0"/>
-              <a:t>と</a:t>
-            </a:r>
-            <a:r>
-              <a:rPr lang="en-US" altLang="ja-JP" dirty="0"/>
-              <a:t>Discriminator</a:t>
-            </a:r>
-            <a:r>
-              <a:rPr lang="ja-JP" altLang="en-US" dirty="0"/>
-              <a:t>の２つのネットワークで構成される</a:t>
-            </a:r>
-            <a:endParaRPr lang="en-US" altLang="ja-JP" dirty="0"/>
-          </a:p>
-          <a:p>
-            <a:pPr lvl="1"/>
-            <a:r>
-              <a:rPr kumimoji="1" lang="en-US" altLang="ja-JP" sz="2200" dirty="0"/>
-              <a:t>Generator</a:t>
-            </a:r>
-            <a:r>
-              <a:rPr kumimoji="1" lang="ja-JP" altLang="en-US" sz="2200" dirty="0"/>
-              <a:t>：何らかの数値を受け取り、その数値に基づいてデータを出力</a:t>
-            </a:r>
-            <a:endParaRPr kumimoji="1" lang="en-US" altLang="ja-JP" sz="2200" dirty="0"/>
-          </a:p>
-          <a:p>
-            <a:pPr lvl="1"/>
-            <a:r>
-              <a:rPr lang="en-US" altLang="ja-JP" sz="2200" dirty="0"/>
-              <a:t>Discriminator</a:t>
-            </a:r>
-            <a:r>
-              <a:rPr lang="ja-JP" altLang="en-US" sz="2200" dirty="0"/>
-              <a:t>：入力されたデータが</a:t>
-            </a:r>
-            <a:r>
-              <a:rPr lang="en-US" altLang="ja-JP" sz="2200" dirty="0"/>
-              <a:t>Generator</a:t>
-            </a:r>
-            <a:r>
-              <a:rPr lang="ja-JP" altLang="en-US" sz="2200" dirty="0"/>
-              <a:t>が生成した偽物か訓練データかを判別</a:t>
-            </a:r>
-            <a:endParaRPr kumimoji="1" lang="ja-JP" altLang="en-US" sz="2200" dirty="0"/>
-          </a:p>
-        </p:txBody>
-      </p:sp>
-      <p:pic>
-        <p:nvPicPr>
-          <p:cNvPr id="5" name="図 4">
-            <a:extLst>
-              <a:ext uri="{FF2B5EF4-FFF2-40B4-BE49-F238E27FC236}">
-                <a16:creationId xmlns:a16="http://schemas.microsoft.com/office/drawing/2014/main" id="{B68C0763-E614-4A45-15A4-65DFD6085729}"/>
-              </a:ext>
-            </a:extLst>
-          </p:cNvPr>
-          <p:cNvPicPr>
-            <a:picLocks noChangeAspect="1"/>
-          </p:cNvPicPr>
-          <p:nvPr/>
-        </p:nvPicPr>
-        <p:blipFill>
-          <a:blip r:embed="rId2"/>
-          <a:stretch>
-            <a:fillRect/>
-          </a:stretch>
-        </p:blipFill>
-        <p:spPr>
-          <a:xfrm>
-            <a:off x="1986232" y="2386687"/>
-            <a:ext cx="7491469" cy="3639541"/>
-          </a:xfrm>
-          <a:prstGeom prst="rect">
-            <a:avLst/>
-          </a:prstGeom>
-        </p:spPr>
-      </p:pic>
-      <p:sp>
-        <p:nvSpPr>
-          <p:cNvPr id="6" name="テキスト ボックス 5">
-            <a:extLst>
-              <a:ext uri="{FF2B5EF4-FFF2-40B4-BE49-F238E27FC236}">
-                <a16:creationId xmlns:a16="http://schemas.microsoft.com/office/drawing/2014/main" id="{9E7F4580-67EC-10F1-DC69-8077F2B3582B}"/>
-              </a:ext>
-            </a:extLst>
-          </p:cNvPr>
-          <p:cNvSpPr txBox="1"/>
-          <p:nvPr/>
-        </p:nvSpPr>
-        <p:spPr>
-          <a:xfrm>
-            <a:off x="2585884" y="6192920"/>
-            <a:ext cx="7973962" cy="369332"/>
-          </a:xfrm>
-          <a:prstGeom prst="rect">
-            <a:avLst/>
-          </a:prstGeom>
-          <a:noFill/>
-        </p:spPr>
-        <p:txBody>
-          <a:bodyPr wrap="square" rtlCol="0">
-            <a:spAutoFit/>
-          </a:bodyPr>
-          <a:lstStyle/>
-          <a:p>
-            <a:r>
-              <a:rPr kumimoji="1" lang="en-US" altLang="ja-JP" dirty="0"/>
-              <a:t>(</a:t>
-            </a:r>
-            <a:r>
-              <a:rPr kumimoji="1" lang="ja-JP" altLang="en-US" dirty="0"/>
-              <a:t>引用元</a:t>
-            </a:r>
-            <a:r>
-              <a:rPr kumimoji="1" lang="en-US" altLang="ja-JP" dirty="0"/>
-              <a:t>)https://www.skillupai.com/blog/tech/mldl-tips-1/</a:t>
-            </a:r>
-            <a:endParaRPr kumimoji="1" lang="ja-JP" altLang="en-US" dirty="0"/>
-          </a:p>
-        </p:txBody>
-      </p:sp>
-    </p:spTree>
-    <p:extLst>
-      <p:ext uri="{BB962C8B-B14F-4D97-AF65-F5344CB8AC3E}">
-        <p14:creationId xmlns:p14="http://schemas.microsoft.com/office/powerpoint/2010/main" val="3414651321"/>
       </p:ext>
     </p:extLst>
   </p:cSld>
@@ -17147,6 +18903,246 @@
             </a:r>
             <a:r>
               <a:rPr kumimoji="1" lang="ja-JP" altLang="en-US" dirty="0"/>
+              <a:t>の</a:t>
+            </a:r>
+            <a:r>
+              <a:rPr lang="ja-JP" altLang="en-US" dirty="0"/>
+              <a:t>学習：ディスクリミネーター</a:t>
+            </a:r>
+            <a:endParaRPr kumimoji="1" lang="ja-JP" altLang="en-US" dirty="0"/>
+          </a:p>
+        </p:txBody>
+      </p:sp>
+      <p:pic>
+        <p:nvPicPr>
+          <p:cNvPr id="4" name="図 3">
+            <a:extLst>
+              <a:ext uri="{FF2B5EF4-FFF2-40B4-BE49-F238E27FC236}">
+                <a16:creationId xmlns:a16="http://schemas.microsoft.com/office/drawing/2014/main" id="{6A8205F2-4B2E-18EB-DFDA-A33E9BDD5DCA}"/>
+              </a:ext>
+            </a:extLst>
+          </p:cNvPr>
+          <p:cNvPicPr>
+            <a:picLocks noChangeAspect="1"/>
+          </p:cNvPicPr>
+          <p:nvPr/>
+        </p:nvPicPr>
+        <p:blipFill>
+          <a:blip r:embed="rId2"/>
+          <a:stretch>
+            <a:fillRect/>
+          </a:stretch>
+        </p:blipFill>
+        <p:spPr>
+          <a:xfrm>
+            <a:off x="333420" y="1644645"/>
+            <a:ext cx="5673680" cy="2820721"/>
+          </a:xfrm>
+          <a:prstGeom prst="rect">
+            <a:avLst/>
+          </a:prstGeom>
+        </p:spPr>
+      </p:pic>
+      <p:pic>
+        <p:nvPicPr>
+          <p:cNvPr id="6" name="図 5">
+            <a:extLst>
+              <a:ext uri="{FF2B5EF4-FFF2-40B4-BE49-F238E27FC236}">
+                <a16:creationId xmlns:a16="http://schemas.microsoft.com/office/drawing/2014/main" id="{0DF21BEE-9C54-C8CD-29B6-D7DBB6753BF8}"/>
+              </a:ext>
+            </a:extLst>
+          </p:cNvPr>
+          <p:cNvPicPr>
+            <a:picLocks noChangeAspect="1"/>
+          </p:cNvPicPr>
+          <p:nvPr/>
+        </p:nvPicPr>
+        <p:blipFill>
+          <a:blip r:embed="rId3"/>
+          <a:stretch>
+            <a:fillRect/>
+          </a:stretch>
+        </p:blipFill>
+        <p:spPr>
+          <a:xfrm>
+            <a:off x="6500589" y="1644645"/>
+            <a:ext cx="5559297" cy="3566491"/>
+          </a:xfrm>
+          <a:prstGeom prst="rect">
+            <a:avLst/>
+          </a:prstGeom>
+        </p:spPr>
+      </p:pic>
+      <p:sp>
+        <p:nvSpPr>
+          <p:cNvPr id="8" name="テキスト ボックス 7">
+            <a:extLst>
+              <a:ext uri="{FF2B5EF4-FFF2-40B4-BE49-F238E27FC236}">
+                <a16:creationId xmlns:a16="http://schemas.microsoft.com/office/drawing/2014/main" id="{639EF2DE-862C-F83C-2239-7D42A145239C}"/>
+              </a:ext>
+            </a:extLst>
+          </p:cNvPr>
+          <p:cNvSpPr txBox="1"/>
+          <p:nvPr/>
+        </p:nvSpPr>
+        <p:spPr>
+          <a:xfrm>
+            <a:off x="2344350" y="1089047"/>
+            <a:ext cx="1651819" cy="369332"/>
+          </a:xfrm>
+          <a:prstGeom prst="rect">
+            <a:avLst/>
+          </a:prstGeom>
+          <a:noFill/>
+        </p:spPr>
+        <p:txBody>
+          <a:bodyPr wrap="square" rtlCol="0">
+            <a:spAutoFit/>
+          </a:bodyPr>
+          <a:lstStyle/>
+          <a:p>
+            <a:pPr algn="ctr"/>
+            <a:r>
+              <a:rPr kumimoji="1" lang="ja-JP" altLang="en-US" dirty="0"/>
+              <a:t>学習①</a:t>
+            </a:r>
+          </a:p>
+        </p:txBody>
+      </p:sp>
+      <p:sp>
+        <p:nvSpPr>
+          <p:cNvPr id="9" name="テキスト ボックス 8">
+            <a:extLst>
+              <a:ext uri="{FF2B5EF4-FFF2-40B4-BE49-F238E27FC236}">
+                <a16:creationId xmlns:a16="http://schemas.microsoft.com/office/drawing/2014/main" id="{DF1CFD9D-128A-B898-63B9-691DBA6F7A2A}"/>
+              </a:ext>
+            </a:extLst>
+          </p:cNvPr>
+          <p:cNvSpPr txBox="1"/>
+          <p:nvPr/>
+        </p:nvSpPr>
+        <p:spPr>
+          <a:xfrm>
+            <a:off x="8588477" y="1089047"/>
+            <a:ext cx="1651819" cy="369332"/>
+          </a:xfrm>
+          <a:prstGeom prst="rect">
+            <a:avLst/>
+          </a:prstGeom>
+          <a:noFill/>
+        </p:spPr>
+        <p:txBody>
+          <a:bodyPr wrap="square" rtlCol="0">
+            <a:spAutoFit/>
+          </a:bodyPr>
+          <a:lstStyle/>
+          <a:p>
+            <a:pPr algn="ctr"/>
+            <a:r>
+              <a:rPr kumimoji="1" lang="ja-JP" altLang="en-US" dirty="0"/>
+              <a:t>学習②</a:t>
+            </a:r>
+          </a:p>
+        </p:txBody>
+      </p:sp>
+      <p:sp>
+        <p:nvSpPr>
+          <p:cNvPr id="10" name="テキスト ボックス 9">
+            <a:extLst>
+              <a:ext uri="{FF2B5EF4-FFF2-40B4-BE49-F238E27FC236}">
+                <a16:creationId xmlns:a16="http://schemas.microsoft.com/office/drawing/2014/main" id="{E3D40379-2D5C-A522-5459-B6046F6FD432}"/>
+              </a:ext>
+            </a:extLst>
+          </p:cNvPr>
+          <p:cNvSpPr txBox="1"/>
+          <p:nvPr/>
+        </p:nvSpPr>
+        <p:spPr>
+          <a:xfrm>
+            <a:off x="2344350" y="6049421"/>
+            <a:ext cx="8111614" cy="369332"/>
+          </a:xfrm>
+          <a:prstGeom prst="rect">
+            <a:avLst/>
+          </a:prstGeom>
+          <a:noFill/>
+        </p:spPr>
+        <p:txBody>
+          <a:bodyPr wrap="square" rtlCol="0">
+            <a:spAutoFit/>
+          </a:bodyPr>
+          <a:lstStyle/>
+          <a:p>
+            <a:pPr algn="ctr"/>
+            <a:r>
+              <a:rPr kumimoji="1" lang="ja-JP" altLang="en-US" dirty="0"/>
+              <a:t>（引用）</a:t>
+            </a:r>
+            <a:r>
+              <a:rPr kumimoji="1" lang="en-US" altLang="ja-JP" dirty="0"/>
+              <a:t>https://qiita.com/gensal/items/4be65d9b36fac02f877e</a:t>
+            </a:r>
+            <a:endParaRPr kumimoji="1" lang="ja-JP" altLang="en-US" dirty="0"/>
+          </a:p>
+        </p:txBody>
+      </p:sp>
+    </p:spTree>
+    <p:extLst>
+      <p:ext uri="{BB962C8B-B14F-4D97-AF65-F5344CB8AC3E}">
+        <p14:creationId xmlns:p14="http://schemas.microsoft.com/office/powerpoint/2010/main" val="2510208336"/>
+      </p:ext>
+    </p:extLst>
+  </p:cSld>
+  <p:clrMapOvr>
+    <a:masterClrMapping/>
+  </p:clrMapOvr>
+</p:sld>
+</file>
+
+<file path=ppt/slides/slide7.xml><?xml version="1.0" encoding="utf-8"?>
+<p:sld xmlns:a="http://schemas.openxmlformats.org/drawingml/2006/main" xmlns:r="http://schemas.openxmlformats.org/officeDocument/2006/relationships" xmlns:p="http://schemas.openxmlformats.org/presentationml/2006/main">
+  <p:cSld>
+    <p:spTree>
+      <p:nvGrpSpPr>
+        <p:cNvPr id="1" name=""/>
+        <p:cNvGrpSpPr/>
+        <p:nvPr/>
+      </p:nvGrpSpPr>
+      <p:grpSpPr>
+        <a:xfrm>
+          <a:off x="0" y="0"/>
+          <a:ext cx="0" cy="0"/>
+          <a:chOff x="0" y="0"/>
+          <a:chExt cx="0" cy="0"/>
+        </a:xfrm>
+      </p:grpSpPr>
+      <p:sp>
+        <p:nvSpPr>
+          <p:cNvPr id="2" name="タイトル 1">
+            <a:extLst>
+              <a:ext uri="{FF2B5EF4-FFF2-40B4-BE49-F238E27FC236}">
+                <a16:creationId xmlns:a16="http://schemas.microsoft.com/office/drawing/2014/main" id="{4EE7386E-D72E-65BE-11B7-DC0FB9C87727}"/>
+              </a:ext>
+            </a:extLst>
+          </p:cNvPr>
+          <p:cNvSpPr>
+            <a:spLocks noGrp="1"/>
+          </p:cNvSpPr>
+          <p:nvPr>
+            <p:ph type="title"/>
+          </p:nvPr>
+        </p:nvSpPr>
+        <p:spPr/>
+        <p:txBody>
+          <a:bodyPr/>
+          <a:lstStyle/>
+          <a:p>
+            <a:r>
+              <a:rPr kumimoji="1" lang="en-US" altLang="ja-JP" dirty="0"/>
+              <a:t>GAN</a:t>
+            </a:r>
+            <a:r>
+              <a:rPr kumimoji="1" lang="ja-JP" altLang="en-US" dirty="0"/>
               <a:t>の損失関数</a:t>
             </a:r>
             <a:r>
@@ -17200,98 +19196,6 @@
 </p:sld>
 </file>
 
-<file path=ppt/slides/slide7.xml><?xml version="1.0" encoding="utf-8"?>
-<p:sld xmlns:a="http://schemas.openxmlformats.org/drawingml/2006/main" xmlns:r="http://schemas.openxmlformats.org/officeDocument/2006/relationships" xmlns:p="http://schemas.openxmlformats.org/presentationml/2006/main">
-  <p:cSld>
-    <p:spTree>
-      <p:nvGrpSpPr>
-        <p:cNvPr id="1" name=""/>
-        <p:cNvGrpSpPr/>
-        <p:nvPr/>
-      </p:nvGrpSpPr>
-      <p:grpSpPr>
-        <a:xfrm>
-          <a:off x="0" y="0"/>
-          <a:ext cx="0" cy="0"/>
-          <a:chOff x="0" y="0"/>
-          <a:chExt cx="0" cy="0"/>
-        </a:xfrm>
-      </p:grpSpPr>
-      <p:sp>
-        <p:nvSpPr>
-          <p:cNvPr id="2" name="タイトル 1">
-            <a:extLst>
-              <a:ext uri="{FF2B5EF4-FFF2-40B4-BE49-F238E27FC236}">
-                <a16:creationId xmlns:a16="http://schemas.microsoft.com/office/drawing/2014/main" id="{4EE7386E-D72E-65BE-11B7-DC0FB9C87727}"/>
-              </a:ext>
-            </a:extLst>
-          </p:cNvPr>
-          <p:cNvSpPr>
-            <a:spLocks noGrp="1"/>
-          </p:cNvSpPr>
-          <p:nvPr>
-            <p:ph type="title"/>
-          </p:nvPr>
-        </p:nvSpPr>
-        <p:spPr/>
-        <p:txBody>
-          <a:bodyPr/>
-          <a:lstStyle/>
-          <a:p>
-            <a:r>
-              <a:rPr kumimoji="1" lang="en-US" altLang="ja-JP" dirty="0"/>
-              <a:t>GAN</a:t>
-            </a:r>
-            <a:r>
-              <a:rPr kumimoji="1" lang="ja-JP" altLang="en-US" dirty="0"/>
-              <a:t>の目的関数</a:t>
-            </a:r>
-          </a:p>
-        </p:txBody>
-      </p:sp>
-      <p:pic>
-        <p:nvPicPr>
-          <p:cNvPr id="5" name="図 4">
-            <a:extLst>
-              <a:ext uri="{FF2B5EF4-FFF2-40B4-BE49-F238E27FC236}">
-                <a16:creationId xmlns:a16="http://schemas.microsoft.com/office/drawing/2014/main" id="{B271F3DF-88DE-C548-ABD5-144B4E297322}"/>
-              </a:ext>
-            </a:extLst>
-          </p:cNvPr>
-          <p:cNvPicPr>
-            <a:picLocks noChangeAspect="1"/>
-          </p:cNvPicPr>
-          <p:nvPr/>
-        </p:nvPicPr>
-        <p:blipFill>
-          <a:blip r:embed="rId2"/>
-          <a:stretch>
-            <a:fillRect/>
-          </a:stretch>
-        </p:blipFill>
-        <p:spPr>
-          <a:xfrm>
-            <a:off x="941191" y="1563015"/>
-            <a:ext cx="10309618" cy="3343282"/>
-          </a:xfrm>
-          <a:prstGeom prst="rect">
-            <a:avLst/>
-          </a:prstGeom>
-        </p:spPr>
-      </p:pic>
-    </p:spTree>
-    <p:extLst>
-      <p:ext uri="{BB962C8B-B14F-4D97-AF65-F5344CB8AC3E}">
-        <p14:creationId xmlns:p14="http://schemas.microsoft.com/office/powerpoint/2010/main" val="3064677651"/>
-      </p:ext>
-    </p:extLst>
-  </p:cSld>
-  <p:clrMapOvr>
-    <a:masterClrMapping/>
-  </p:clrMapOvr>
-</p:sld>
-</file>
-
 <file path=ppt/slides/slide8.xml><?xml version="1.0" encoding="utf-8"?>
 <p:sld xmlns:a="http://schemas.openxmlformats.org/drawingml/2006/main" xmlns:r="http://schemas.openxmlformats.org/officeDocument/2006/relationships" xmlns:p="http://schemas.openxmlformats.org/presentationml/2006/main">
   <p:cSld>
@@ -17331,297 +19235,132 @@
           <a:lstStyle/>
           <a:p>
             <a:r>
-              <a:rPr kumimoji="1" lang="ja-JP" altLang="en-US" dirty="0"/>
-              <a:t>（</a:t>
-            </a:r>
-            <a:r>
-              <a:rPr lang="ja-JP" altLang="en-US" dirty="0"/>
-              <a:t>参考</a:t>
-            </a:r>
-            <a:r>
-              <a:rPr kumimoji="1" lang="ja-JP" altLang="en-US" dirty="0"/>
-              <a:t>）</a:t>
-            </a:r>
-            <a:r>
               <a:rPr kumimoji="1" lang="en-US" altLang="ja-JP" dirty="0"/>
               <a:t>GAN</a:t>
             </a:r>
             <a:r>
               <a:rPr kumimoji="1" lang="ja-JP" altLang="en-US" dirty="0"/>
-              <a:t>の派生モデル</a:t>
-            </a:r>
+              <a:t>の</a:t>
+            </a:r>
+            <a:r>
+              <a:rPr lang="ja-JP" altLang="en-US" dirty="0"/>
+              <a:t>学習：ジェネレーター</a:t>
+            </a:r>
+            <a:endParaRPr kumimoji="1" lang="ja-JP" altLang="en-US" dirty="0"/>
           </a:p>
         </p:txBody>
       </p:sp>
       <p:sp>
         <p:nvSpPr>
-          <p:cNvPr id="3" name="コンテンツ プレースホルダー 2">
-            <a:extLst>
-              <a:ext uri="{FF2B5EF4-FFF2-40B4-BE49-F238E27FC236}">
-                <a16:creationId xmlns:a16="http://schemas.microsoft.com/office/drawing/2014/main" id="{C6C4C2F8-DE03-C390-A674-4892B0893685}"/>
-              </a:ext>
-            </a:extLst>
-          </p:cNvPr>
-          <p:cNvSpPr>
-            <a:spLocks noGrp="1"/>
-          </p:cNvSpPr>
-          <p:nvPr>
-            <p:ph idx="1"/>
-          </p:nvPr>
+          <p:cNvPr id="10" name="テキスト ボックス 9">
+            <a:extLst>
+              <a:ext uri="{FF2B5EF4-FFF2-40B4-BE49-F238E27FC236}">
+                <a16:creationId xmlns:a16="http://schemas.microsoft.com/office/drawing/2014/main" id="{E3D40379-2D5C-A522-5459-B6046F6FD432}"/>
+              </a:ext>
+            </a:extLst>
+          </p:cNvPr>
+          <p:cNvSpPr txBox="1"/>
+          <p:nvPr/>
         </p:nvSpPr>
         <p:spPr>
           <a:xfrm>
-            <a:off x="145472" y="1012722"/>
-            <a:ext cx="11723253" cy="5604387"/>
+            <a:off x="1961453" y="6158568"/>
+            <a:ext cx="8111614" cy="369332"/>
           </a:xfrm>
+          <a:prstGeom prst="rect">
+            <a:avLst/>
+          </a:prstGeom>
+          <a:noFill/>
         </p:spPr>
         <p:txBody>
-          <a:bodyPr>
-            <a:normAutofit lnSpcReduction="10000"/>
+          <a:bodyPr wrap="square" rtlCol="0">
+            <a:spAutoFit/>
           </a:bodyPr>
           <a:lstStyle/>
           <a:p>
-            <a:r>
-              <a:rPr kumimoji="1" lang="en-US" altLang="ja-JP" sz="2000" dirty="0"/>
-              <a:t>DCGAN</a:t>
-            </a:r>
-            <a:r>
-              <a:rPr kumimoji="1" lang="ja-JP" altLang="en-US" sz="2000" dirty="0"/>
-              <a:t>（</a:t>
-            </a:r>
-            <a:r>
-              <a:rPr kumimoji="1" lang="en-US" altLang="ja-JP" sz="2000" dirty="0"/>
-              <a:t>Deep Convolutional GAN</a:t>
-            </a:r>
-            <a:r>
-              <a:rPr lang="ja-JP" altLang="en-US" sz="2000" dirty="0"/>
-              <a:t> </a:t>
-            </a:r>
-            <a:r>
-              <a:rPr lang="en-US" altLang="ja-JP" sz="2000" dirty="0"/>
-              <a:t>:</a:t>
-            </a:r>
-            <a:r>
-              <a:rPr lang="ja-JP" altLang="en-US" sz="2000" dirty="0"/>
-              <a:t> </a:t>
-            </a:r>
-            <a:r>
-              <a:rPr kumimoji="1" lang="en-US" altLang="ja-JP" sz="2000" dirty="0"/>
-              <a:t>2015</a:t>
-            </a:r>
-          </a:p>
-          <a:p>
-            <a:pPr lvl="1"/>
-            <a:r>
-              <a:rPr kumimoji="1" lang="ja-JP" altLang="en-US" sz="1600" dirty="0"/>
-              <a:t>畳み込み層を</a:t>
-            </a:r>
-            <a:r>
-              <a:rPr kumimoji="1" lang="en-US" altLang="ja-JP" sz="1600" dirty="0"/>
-              <a:t>Generator</a:t>
-            </a:r>
-            <a:r>
-              <a:rPr kumimoji="1" lang="ja-JP" altLang="en-US" sz="1600" dirty="0"/>
-              <a:t>と</a:t>
-            </a:r>
-            <a:r>
-              <a:rPr kumimoji="1" lang="en-US" altLang="ja-JP" sz="1600" dirty="0"/>
-              <a:t>Discriminator</a:t>
-            </a:r>
-            <a:r>
-              <a:rPr kumimoji="1" lang="ja-JP" altLang="en-US" sz="1600" dirty="0"/>
-              <a:t>の両方に組み込むことで、より鮮明でリアリティのある画像生成が可能</a:t>
-            </a:r>
-            <a:endParaRPr kumimoji="1" lang="en-US" altLang="ja-JP" sz="1600" dirty="0"/>
-          </a:p>
-          <a:p>
-            <a:pPr lvl="1"/>
-            <a:r>
-              <a:rPr kumimoji="1" lang="ja-JP" altLang="en-US" sz="1600" dirty="0"/>
-              <a:t>安定した学習と高品質な画像生成を実現し、</a:t>
-            </a:r>
-            <a:r>
-              <a:rPr kumimoji="1" lang="en-US" altLang="ja-JP" sz="1600" dirty="0"/>
-              <a:t>GAN</a:t>
-            </a:r>
-            <a:r>
-              <a:rPr kumimoji="1" lang="ja-JP" altLang="en-US" sz="1600" dirty="0"/>
-              <a:t>の基礎モデルとして広く利用されている</a:t>
-            </a:r>
-            <a:endParaRPr kumimoji="1" lang="en-US" altLang="ja-JP" sz="1600" dirty="0"/>
-          </a:p>
-          <a:p>
-            <a:r>
-              <a:rPr kumimoji="1" lang="en-US" altLang="ja-JP" sz="2000" dirty="0"/>
-              <a:t>CGAN</a:t>
-            </a:r>
-            <a:r>
-              <a:rPr kumimoji="1" lang="ja-JP" altLang="en-US" sz="2000" dirty="0"/>
-              <a:t>（</a:t>
-            </a:r>
-            <a:r>
-              <a:rPr kumimoji="1" lang="en-US" altLang="ja-JP" sz="2000" dirty="0"/>
-              <a:t>Conditional GAN</a:t>
-            </a:r>
-            <a:r>
-              <a:rPr kumimoji="1" lang="ja-JP" altLang="en-US" sz="2000" dirty="0"/>
-              <a:t>）</a:t>
-            </a:r>
-            <a:endParaRPr kumimoji="1" lang="en-US" altLang="ja-JP" sz="2000" dirty="0"/>
-          </a:p>
-          <a:p>
-            <a:pPr lvl="1"/>
-            <a:r>
-              <a:rPr kumimoji="1" lang="en-US" altLang="ja-JP" sz="1600" dirty="0"/>
-              <a:t>Generator</a:t>
-            </a:r>
-            <a:r>
-              <a:rPr kumimoji="1" lang="ja-JP" altLang="en-US" sz="1600" dirty="0"/>
-              <a:t>と</a:t>
-            </a:r>
-            <a:r>
-              <a:rPr kumimoji="1" lang="en-US" altLang="ja-JP" sz="1600" dirty="0"/>
-              <a:t>Discriminator</a:t>
-            </a:r>
-            <a:r>
-              <a:rPr kumimoji="1" lang="ja-JP" altLang="en-US" sz="1600" dirty="0"/>
-              <a:t>に条件を入力することで、特定の条件に基づいた画像生成が可能</a:t>
-            </a:r>
-            <a:endParaRPr kumimoji="1" lang="en-US" altLang="ja-JP" sz="1600" dirty="0"/>
-          </a:p>
-          <a:p>
-            <a:pPr lvl="1"/>
-            <a:r>
-              <a:rPr kumimoji="1" lang="ja-JP" altLang="en-US" sz="1600" dirty="0"/>
-              <a:t>例えば、</a:t>
-            </a:r>
-            <a:r>
-              <a:rPr kumimoji="1" lang="en-US" altLang="ja-JP" sz="1600" dirty="0"/>
-              <a:t>MNIST</a:t>
-            </a:r>
-            <a:r>
-              <a:rPr kumimoji="1" lang="ja-JP" altLang="en-US" sz="1600" dirty="0"/>
-              <a:t>データセットで、特定の数字の画像を生成したい場合などに有効</a:t>
-            </a:r>
-            <a:endParaRPr kumimoji="1" lang="en-US" altLang="ja-JP" sz="1600" dirty="0"/>
-          </a:p>
-          <a:p>
-            <a:r>
-              <a:rPr kumimoji="1" lang="en-US" altLang="ja-JP" sz="2000" dirty="0" err="1"/>
-              <a:t>CycleGAN</a:t>
-            </a:r>
-            <a:r>
-              <a:rPr kumimoji="1" lang="ja-JP" altLang="en-US" sz="2000" dirty="0"/>
-              <a:t> </a:t>
-            </a:r>
-            <a:r>
-              <a:rPr kumimoji="1" lang="en-US" altLang="ja-JP" sz="2000" dirty="0"/>
-              <a:t>:</a:t>
-            </a:r>
-            <a:r>
-              <a:rPr kumimoji="1" lang="ja-JP" altLang="en-US" sz="2000" dirty="0"/>
-              <a:t> </a:t>
-            </a:r>
-            <a:r>
-              <a:rPr kumimoji="1" lang="en-US" altLang="ja-JP" sz="2000" dirty="0"/>
-              <a:t>2017</a:t>
-            </a:r>
-            <a:endParaRPr lang="en-US" altLang="ja-JP" sz="2000" dirty="0"/>
-          </a:p>
-          <a:p>
-            <a:pPr lvl="1"/>
-            <a:r>
-              <a:rPr kumimoji="1" lang="ja-JP" altLang="en-US" sz="1600" dirty="0"/>
-              <a:t>異なるドメイン間の画像変換を行うためのモデル</a:t>
-            </a:r>
-            <a:endParaRPr kumimoji="1" lang="en-US" altLang="ja-JP" sz="1600" dirty="0"/>
-          </a:p>
-          <a:p>
-            <a:pPr lvl="1"/>
-            <a:r>
-              <a:rPr kumimoji="1" lang="ja-JP" altLang="en-US" sz="1600" dirty="0"/>
-              <a:t>例えば、写真と絵画、夏と冬の画像など、異なるスタイルの画像間の変換が可能</a:t>
-            </a:r>
-            <a:endParaRPr kumimoji="1" lang="en-US" altLang="ja-JP" sz="1600" dirty="0"/>
-          </a:p>
-          <a:p>
-            <a:r>
-              <a:rPr kumimoji="1" lang="en-US" altLang="ja-JP" sz="2000" dirty="0"/>
-              <a:t>StyleGAN</a:t>
-            </a:r>
-            <a:endParaRPr lang="en-US" altLang="ja-JP" sz="2000" dirty="0"/>
-          </a:p>
-          <a:p>
-            <a:pPr lvl="1"/>
-            <a:r>
-              <a:rPr kumimoji="1" lang="ja-JP" altLang="en-US" sz="1600" dirty="0"/>
-              <a:t>画像のスタイルを細かく制御できるモデル</a:t>
-            </a:r>
-            <a:endParaRPr kumimoji="1" lang="en-US" altLang="ja-JP" sz="1600" dirty="0"/>
-          </a:p>
-          <a:p>
-            <a:pPr lvl="1"/>
-            <a:r>
-              <a:rPr kumimoji="1" lang="ja-JP" altLang="en-US" sz="1600" dirty="0"/>
-              <a:t>特定の顔の特徴や背景を変化させたり、新しいスタイルの画像を生成したりすることができる</a:t>
-            </a:r>
-            <a:endParaRPr kumimoji="1" lang="en-US" altLang="ja-JP" sz="1600" dirty="0"/>
-          </a:p>
-          <a:p>
-            <a:r>
-              <a:rPr kumimoji="1" lang="en-US" altLang="ja-JP" sz="2000" dirty="0" err="1"/>
-              <a:t>BigGAN</a:t>
-            </a:r>
-            <a:endParaRPr lang="en-US" altLang="ja-JP" sz="2000" dirty="0"/>
-          </a:p>
-          <a:p>
-            <a:pPr lvl="1"/>
-            <a:r>
-              <a:rPr kumimoji="1" lang="ja-JP" altLang="en-US" sz="1600" dirty="0"/>
-              <a:t>大規模なデータセットを用いて学習することで、高品質かつ多様な画像を生成できるモデル</a:t>
-            </a:r>
-            <a:endParaRPr kumimoji="1" lang="en-US" altLang="ja-JP" sz="1600" dirty="0"/>
-          </a:p>
-          <a:p>
-            <a:pPr lvl="1"/>
-            <a:r>
-              <a:rPr kumimoji="1" lang="en-US" altLang="ja-JP" sz="1600" dirty="0"/>
-              <a:t>ImageNet</a:t>
-            </a:r>
-            <a:r>
-              <a:rPr kumimoji="1" lang="ja-JP" altLang="en-US" sz="1600" dirty="0"/>
-              <a:t>などの大規模な画像データセットを用いて学習することで、非常に高品質な画像を生成できる</a:t>
-            </a:r>
-            <a:endParaRPr kumimoji="1" lang="en-US" altLang="ja-JP" sz="1600" dirty="0"/>
-          </a:p>
-          <a:p>
-            <a:r>
-              <a:rPr kumimoji="1" lang="en-US" altLang="ja-JP" sz="2000" dirty="0"/>
-              <a:t>Progressive Growing GAN</a:t>
-            </a:r>
-            <a:endParaRPr lang="en-US" altLang="ja-JP" sz="2000" dirty="0"/>
-          </a:p>
-          <a:p>
-            <a:pPr lvl="1"/>
-            <a:r>
-              <a:rPr kumimoji="1" lang="ja-JP" altLang="en-US" sz="1600" dirty="0"/>
-              <a:t>低解像度の画像から始めて、徐々に高解像度の画像を生成できるように学習を進めるモデル</a:t>
-            </a:r>
-            <a:endParaRPr kumimoji="1" lang="en-US" altLang="ja-JP" sz="1600" dirty="0"/>
-          </a:p>
-          <a:p>
-            <a:pPr lvl="1"/>
-            <a:r>
-              <a:rPr kumimoji="1" lang="ja-JP" altLang="en-US" sz="1600" dirty="0"/>
-              <a:t>より効率的に高解像度の画像生成を実現できる</a:t>
-            </a:r>
+            <a:pPr algn="ctr"/>
+            <a:r>
+              <a:rPr kumimoji="1" lang="ja-JP" altLang="en-US" dirty="0"/>
+              <a:t>（引用）</a:t>
+            </a:r>
+            <a:r>
+              <a:rPr kumimoji="1" lang="en-US" altLang="ja-JP" dirty="0"/>
+              <a:t>https://qiita.com/gensal/items/4be65d9b36fac02f877e</a:t>
+            </a:r>
+            <a:endParaRPr kumimoji="1" lang="ja-JP" altLang="en-US" dirty="0"/>
+          </a:p>
+        </p:txBody>
+      </p:sp>
+      <p:pic>
+        <p:nvPicPr>
+          <p:cNvPr id="5" name="図 4">
+            <a:extLst>
+              <a:ext uri="{FF2B5EF4-FFF2-40B4-BE49-F238E27FC236}">
+                <a16:creationId xmlns:a16="http://schemas.microsoft.com/office/drawing/2014/main" id="{FF6C871B-5802-58F6-9985-29E9DA257CCF}"/>
+              </a:ext>
+            </a:extLst>
+          </p:cNvPr>
+          <p:cNvPicPr>
+            <a:picLocks noChangeAspect="1"/>
+          </p:cNvPicPr>
+          <p:nvPr/>
+        </p:nvPicPr>
+        <p:blipFill>
+          <a:blip r:embed="rId2"/>
+          <a:stretch>
+            <a:fillRect/>
+          </a:stretch>
+        </p:blipFill>
+        <p:spPr>
+          <a:xfrm>
+            <a:off x="2241263" y="1730847"/>
+            <a:ext cx="7531673" cy="4288572"/>
+          </a:xfrm>
+          <a:prstGeom prst="rect">
+            <a:avLst/>
+          </a:prstGeom>
+        </p:spPr>
+      </p:pic>
+      <p:sp>
+        <p:nvSpPr>
+          <p:cNvPr id="7" name="テキスト ボックス 6">
+            <a:extLst>
+              <a:ext uri="{FF2B5EF4-FFF2-40B4-BE49-F238E27FC236}">
+                <a16:creationId xmlns:a16="http://schemas.microsoft.com/office/drawing/2014/main" id="{5F42A200-59D8-662F-39D2-68C3223698BB}"/>
+              </a:ext>
+            </a:extLst>
+          </p:cNvPr>
+          <p:cNvSpPr txBox="1"/>
+          <p:nvPr/>
+        </p:nvSpPr>
+        <p:spPr>
+          <a:xfrm>
+            <a:off x="255639" y="1006058"/>
+            <a:ext cx="10245212" cy="646331"/>
+          </a:xfrm>
+          <a:prstGeom prst="rect">
+            <a:avLst/>
+          </a:prstGeom>
+          <a:noFill/>
+        </p:spPr>
+        <p:txBody>
+          <a:bodyPr wrap="square" rtlCol="0">
+            <a:spAutoFit/>
+          </a:bodyPr>
+          <a:lstStyle/>
+          <a:p>
+            <a:r>
+              <a:rPr lang="ja-JP" altLang="en-US" dirty="0"/>
+              <a:t>ジェネレーターで生成したデータをインプットとし、ラベルを１としたときのディスクリミネーターの誤差で学習</a:t>
+            </a:r>
+            <a:endParaRPr kumimoji="1" lang="ja-JP" altLang="en-US" dirty="0"/>
           </a:p>
         </p:txBody>
       </p:sp>
     </p:spTree>
     <p:extLst>
       <p:ext uri="{BB962C8B-B14F-4D97-AF65-F5344CB8AC3E}">
-        <p14:creationId xmlns:p14="http://schemas.microsoft.com/office/powerpoint/2010/main" val="1370721623"/>
+        <p14:creationId xmlns:p14="http://schemas.microsoft.com/office/powerpoint/2010/main" val="2536700777"/>
       </p:ext>
     </p:extLst>
   </p:cSld>
@@ -17653,7 +19392,7 @@
           <p:cNvPr id="2" name="タイトル 1">
             <a:extLst>
               <a:ext uri="{FF2B5EF4-FFF2-40B4-BE49-F238E27FC236}">
-                <a16:creationId xmlns:a16="http://schemas.microsoft.com/office/drawing/2014/main" id="{F1068B51-687A-771B-1EE0-B594EFA1889A}"/>
+                <a16:creationId xmlns:a16="http://schemas.microsoft.com/office/drawing/2014/main" id="{4EE7386E-D72E-65BE-11B7-DC0FB9C87727}"/>
               </a:ext>
             </a:extLst>
           </p:cNvPr>
@@ -17670,122 +19409,50 @@
           <a:lstStyle/>
           <a:p>
             <a:r>
-              <a:rPr lang="ja-JP" altLang="en-US" dirty="0"/>
-              <a:t>簡単なデータで生成実験</a:t>
-            </a:r>
-            <a:endParaRPr kumimoji="1" lang="ja-JP" altLang="en-US" dirty="0"/>
-          </a:p>
-        </p:txBody>
-      </p:sp>
-      <p:sp>
-        <p:nvSpPr>
-          <p:cNvPr id="3" name="コンテンツ プレースホルダー 2">
-            <a:extLst>
-              <a:ext uri="{FF2B5EF4-FFF2-40B4-BE49-F238E27FC236}">
-                <a16:creationId xmlns:a16="http://schemas.microsoft.com/office/drawing/2014/main" id="{3BEA36E0-6B97-A042-21D7-427F974055F0}"/>
-              </a:ext>
-            </a:extLst>
-          </p:cNvPr>
-          <p:cNvSpPr>
-            <a:spLocks noGrp="1"/>
-          </p:cNvSpPr>
-          <p:nvPr>
-            <p:ph idx="1"/>
-          </p:nvPr>
-        </p:nvSpPr>
-        <p:spPr>
-          <a:xfrm>
-            <a:off x="145473" y="1044407"/>
-            <a:ext cx="11723253" cy="5147830"/>
-          </a:xfrm>
-        </p:spPr>
-        <p:txBody>
-          <a:bodyPr/>
-          <a:lstStyle/>
-          <a:p>
+              <a:rPr kumimoji="1" lang="en-US" altLang="ja-JP" dirty="0"/>
+              <a:t>GAN</a:t>
+            </a:r>
             <a:r>
               <a:rPr kumimoji="1" lang="ja-JP" altLang="en-US" dirty="0"/>
-              <a:t>サインカーブ（長さ</a:t>
-            </a:r>
-            <a:r>
-              <a:rPr kumimoji="1" lang="en-US" altLang="ja-JP" dirty="0"/>
-              <a:t>50</a:t>
-            </a:r>
-            <a:r>
-              <a:rPr kumimoji="1" lang="ja-JP" altLang="en-US" dirty="0"/>
-              <a:t>：位相も変えず）を訓練データとして実施</a:t>
-            </a:r>
-            <a:endParaRPr kumimoji="1" lang="en-US" altLang="ja-JP" dirty="0"/>
-          </a:p>
-          <a:p>
-            <a:pPr lvl="1"/>
-            <a:r>
-              <a:rPr lang="ja-JP" altLang="en-US" dirty="0"/>
-              <a:t>つまりサインカーブ</a:t>
-            </a:r>
-            <a:r>
-              <a:rPr kumimoji="1" lang="en-US" altLang="ja-JP" dirty="0"/>
-              <a:t>Generator</a:t>
-            </a:r>
-            <a:r>
-              <a:rPr kumimoji="1" lang="ja-JP" altLang="en-US" dirty="0"/>
-              <a:t>を作れるか</a:t>
-            </a:r>
-            <a:endParaRPr kumimoji="1" lang="en-US" altLang="ja-JP" dirty="0"/>
+              <a:t>の目的関数</a:t>
+            </a:r>
           </a:p>
         </p:txBody>
       </p:sp>
       <p:pic>
         <p:nvPicPr>
-          <p:cNvPr id="1028" name="Picture 4">
-            <a:extLst>
-              <a:ext uri="{FF2B5EF4-FFF2-40B4-BE49-F238E27FC236}">
-                <a16:creationId xmlns:a16="http://schemas.microsoft.com/office/drawing/2014/main" id="{CD7E1275-F2A8-A2E7-A9F5-275434192D30}"/>
+          <p:cNvPr id="5" name="図 4">
+            <a:extLst>
+              <a:ext uri="{FF2B5EF4-FFF2-40B4-BE49-F238E27FC236}">
+                <a16:creationId xmlns:a16="http://schemas.microsoft.com/office/drawing/2014/main" id="{B271F3DF-88DE-C548-ABD5-144B4E297322}"/>
               </a:ext>
             </a:extLst>
           </p:cNvPr>
           <p:cNvPicPr>
-            <a:picLocks noChangeAspect="1" noChangeArrowheads="1"/>
+            <a:picLocks noChangeAspect="1"/>
           </p:cNvPicPr>
           <p:nvPr/>
         </p:nvPicPr>
         <p:blipFill>
-          <a:blip r:embed="rId2">
-            <a:extLst>
-              <a:ext uri="{28A0092B-C50C-407E-A947-70E740481C1C}">
-                <a14:useLocalDpi xmlns:a14="http://schemas.microsoft.com/office/drawing/2010/main" val="0"/>
-              </a:ext>
-            </a:extLst>
-          </a:blip>
-          <a:srcRect/>
+          <a:blip r:embed="rId2"/>
           <a:stretch>
             <a:fillRect/>
           </a:stretch>
         </p:blipFill>
-        <p:spPr bwMode="auto">
+        <p:spPr>
           <a:xfrm>
-            <a:off x="2800965" y="2346902"/>
-            <a:ext cx="5684274" cy="4133108"/>
+            <a:off x="941191" y="1563015"/>
+            <a:ext cx="10309618" cy="3343282"/>
           </a:xfrm>
           <a:prstGeom prst="rect">
             <a:avLst/>
           </a:prstGeom>
-          <a:noFill/>
-          <a:extLst>
-            <a:ext uri="{909E8E84-426E-40DD-AFC4-6F175D3DCCD1}">
-              <a14:hiddenFill xmlns:a14="http://schemas.microsoft.com/office/drawing/2010/main">
-                <a:solidFill>
-                  <a:srgbClr val="FFFFFF"/>
-                </a:solidFill>
-              </a14:hiddenFill>
-            </a:ext>
-          </a:extLst>
         </p:spPr>
       </p:pic>
     </p:spTree>
     <p:extLst>
       <p:ext uri="{BB962C8B-B14F-4D97-AF65-F5344CB8AC3E}">
-        <p14:creationId xmlns:p14="http://schemas.microsoft.com/office/powerpoint/2010/main" val="3952688904"/>
+        <p14:creationId xmlns:p14="http://schemas.microsoft.com/office/powerpoint/2010/main" val="3064677651"/>
       </p:ext>
     </p:extLst>
   </p:cSld>
